--- a/work/logos.pptx
+++ b/work/logos.pptx
@@ -292,7 +292,7 @@
           <a:p>
             <a:fld id="{671ADA00-F408-F64B-ACE5-FD4E8FA8842B}" type="datetimeFigureOut">
               <a:rPr lang="es-ES" smtClean="0"/>
-              <a:t>28/1/16</a:t>
+              <a:t>2/2/16</a:t>
             </a:fld>
             <a:endParaRPr lang="es-ES"/>
           </a:p>
@@ -462,7 +462,7 @@
           <a:p>
             <a:fld id="{671ADA00-F408-F64B-ACE5-FD4E8FA8842B}" type="datetimeFigureOut">
               <a:rPr lang="es-ES" smtClean="0"/>
-              <a:t>28/1/16</a:t>
+              <a:t>2/2/16</a:t>
             </a:fld>
             <a:endParaRPr lang="es-ES"/>
           </a:p>
@@ -642,7 +642,7 @@
           <a:p>
             <a:fld id="{671ADA00-F408-F64B-ACE5-FD4E8FA8842B}" type="datetimeFigureOut">
               <a:rPr lang="es-ES" smtClean="0"/>
-              <a:t>28/1/16</a:t>
+              <a:t>2/2/16</a:t>
             </a:fld>
             <a:endParaRPr lang="es-ES"/>
           </a:p>
@@ -812,7 +812,7 @@
           <a:p>
             <a:fld id="{671ADA00-F408-F64B-ACE5-FD4E8FA8842B}" type="datetimeFigureOut">
               <a:rPr lang="es-ES" smtClean="0"/>
-              <a:t>28/1/16</a:t>
+              <a:t>2/2/16</a:t>
             </a:fld>
             <a:endParaRPr lang="es-ES"/>
           </a:p>
@@ -1058,7 +1058,7 @@
           <a:p>
             <a:fld id="{671ADA00-F408-F64B-ACE5-FD4E8FA8842B}" type="datetimeFigureOut">
               <a:rPr lang="es-ES" smtClean="0"/>
-              <a:t>28/1/16</a:t>
+              <a:t>2/2/16</a:t>
             </a:fld>
             <a:endParaRPr lang="es-ES"/>
           </a:p>
@@ -1346,7 +1346,7 @@
           <a:p>
             <a:fld id="{671ADA00-F408-F64B-ACE5-FD4E8FA8842B}" type="datetimeFigureOut">
               <a:rPr lang="es-ES" smtClean="0"/>
-              <a:t>28/1/16</a:t>
+              <a:t>2/2/16</a:t>
             </a:fld>
             <a:endParaRPr lang="es-ES"/>
           </a:p>
@@ -1768,7 +1768,7 @@
           <a:p>
             <a:fld id="{671ADA00-F408-F64B-ACE5-FD4E8FA8842B}" type="datetimeFigureOut">
               <a:rPr lang="es-ES" smtClean="0"/>
-              <a:t>28/1/16</a:t>
+              <a:t>2/2/16</a:t>
             </a:fld>
             <a:endParaRPr lang="es-ES"/>
           </a:p>
@@ -1886,7 +1886,7 @@
           <a:p>
             <a:fld id="{671ADA00-F408-F64B-ACE5-FD4E8FA8842B}" type="datetimeFigureOut">
               <a:rPr lang="es-ES" smtClean="0"/>
-              <a:t>28/1/16</a:t>
+              <a:t>2/2/16</a:t>
             </a:fld>
             <a:endParaRPr lang="es-ES"/>
           </a:p>
@@ -1981,7 +1981,7 @@
           <a:p>
             <a:fld id="{671ADA00-F408-F64B-ACE5-FD4E8FA8842B}" type="datetimeFigureOut">
               <a:rPr lang="es-ES" smtClean="0"/>
-              <a:t>28/1/16</a:t>
+              <a:t>2/2/16</a:t>
             </a:fld>
             <a:endParaRPr lang="es-ES"/>
           </a:p>
@@ -2258,7 +2258,7 @@
           <a:p>
             <a:fld id="{671ADA00-F408-F64B-ACE5-FD4E8FA8842B}" type="datetimeFigureOut">
               <a:rPr lang="es-ES" smtClean="0"/>
-              <a:t>28/1/16</a:t>
+              <a:t>2/2/16</a:t>
             </a:fld>
             <a:endParaRPr lang="es-ES"/>
           </a:p>
@@ -2511,7 +2511,7 @@
           <a:p>
             <a:fld id="{671ADA00-F408-F64B-ACE5-FD4E8FA8842B}" type="datetimeFigureOut">
               <a:rPr lang="es-ES" smtClean="0"/>
-              <a:t>28/1/16</a:t>
+              <a:t>2/2/16</a:t>
             </a:fld>
             <a:endParaRPr lang="es-ES"/>
           </a:p>
@@ -2724,7 +2724,7 @@
           <a:p>
             <a:fld id="{671ADA00-F408-F64B-ACE5-FD4E8FA8842B}" type="datetimeFigureOut">
               <a:rPr lang="es-ES" smtClean="0"/>
-              <a:t>28/1/16</a:t>
+              <a:t>2/2/16</a:t>
             </a:fld>
             <a:endParaRPr lang="es-ES"/>
           </a:p>
@@ -3107,7 +3107,7 @@
         </p:nvSpPr>
         <p:spPr>
           <a:xfrm>
-            <a:off x="3361266" y="1934203"/>
+            <a:off x="1783491" y="1950193"/>
             <a:ext cx="2890397" cy="4449664"/>
           </a:xfrm>
           <a:prstGeom prst="rect">
@@ -3155,10 +3155,10 @@
         </p:nvGrpSpPr>
         <p:grpSpPr>
           <a:xfrm>
-            <a:off x="3701594" y="2297285"/>
-            <a:ext cx="2079786" cy="864096"/>
+            <a:off x="2123819" y="2313275"/>
+            <a:ext cx="2250102" cy="864096"/>
             <a:chOff x="6156176" y="1412776"/>
-            <a:chExt cx="2079786" cy="864096"/>
+            <a:chExt cx="2250102" cy="864096"/>
           </a:xfrm>
         </p:grpSpPr>
         <p:sp>
@@ -3257,7 +3257,7 @@
           <p:spPr>
             <a:xfrm>
               <a:off x="7040625" y="1630541"/>
-              <a:ext cx="1005403" cy="646331"/>
+              <a:ext cx="1365653" cy="646331"/>
             </a:xfrm>
             <a:prstGeom prst="rect">
               <a:avLst/>
@@ -3276,7 +3276,7 @@
                     <a:schemeClr val="bg1"/>
                   </a:solidFill>
                 </a:rPr>
-                <a:t>DAY</a:t>
+                <a:t>DayES</a:t>
               </a:r>
               <a:endParaRPr lang="es-ES" sz="3600" b="1" dirty="0">
                 <a:solidFill>
@@ -3337,200 +3337,16 @@
       </p:grpSp>
       <p:grpSp>
         <p:nvGrpSpPr>
-          <p:cNvPr id="10" name="Agrupar 9"/>
-          <p:cNvGrpSpPr/>
-          <p:nvPr/>
-        </p:nvGrpSpPr>
-        <p:grpSpPr>
-          <a:xfrm>
-            <a:off x="3697153" y="3313781"/>
-            <a:ext cx="2079786" cy="864096"/>
-            <a:chOff x="6156176" y="1412776"/>
-            <a:chExt cx="2079786" cy="864096"/>
-          </a:xfrm>
-        </p:grpSpPr>
-        <p:sp>
-          <p:nvSpPr>
-            <p:cNvPr id="11" name="Rectángulo 10"/>
-            <p:cNvSpPr/>
-            <p:nvPr/>
-          </p:nvSpPr>
-          <p:spPr>
-            <a:xfrm>
-              <a:off x="6156176" y="1412776"/>
-              <a:ext cx="864096" cy="792088"/>
-            </a:xfrm>
-            <a:prstGeom prst="rect">
-              <a:avLst/>
-            </a:prstGeom>
-            <a:solidFill>
-              <a:srgbClr val="FBB623"/>
-            </a:solidFill>
-            <a:ln>
-              <a:noFill/>
-            </a:ln>
-            <a:effectLst/>
-          </p:spPr>
-          <p:style>
-            <a:lnRef idx="1">
-              <a:schemeClr val="accent1"/>
-            </a:lnRef>
-            <a:fillRef idx="3">
-              <a:schemeClr val="accent1"/>
-            </a:fillRef>
-            <a:effectRef idx="2">
-              <a:schemeClr val="accent1"/>
-            </a:effectRef>
-            <a:fontRef idx="minor">
-              <a:schemeClr val="lt1"/>
-            </a:fontRef>
-          </p:style>
-          <p:txBody>
-            <a:bodyPr rtlCol="0" anchor="ctr"/>
-            <a:lstStyle/>
-            <a:p>
-              <a:pPr algn="ctr"/>
-              <a:endParaRPr lang="es-ES" dirty="0"/>
-            </a:p>
-          </p:txBody>
-        </p:sp>
-        <p:sp>
-          <p:nvSpPr>
-            <p:cNvPr id="12" name="CuadroTexto 11"/>
-            <p:cNvSpPr txBox="1"/>
-            <p:nvPr/>
-          </p:nvSpPr>
-          <p:spPr>
-            <a:xfrm>
-              <a:off x="6315157" y="1630541"/>
-              <a:ext cx="555711" cy="646331"/>
-            </a:xfrm>
-            <a:prstGeom prst="rect">
-              <a:avLst/>
-            </a:prstGeom>
-            <a:noFill/>
-          </p:spPr>
-          <p:txBody>
-            <a:bodyPr wrap="none" rtlCol="0">
-              <a:spAutoFit/>
-            </a:bodyPr>
-            <a:lstStyle/>
-            <a:p>
-              <a:r>
-                <a:rPr lang="es-ES" sz="3600" b="1" dirty="0" smtClean="0">
-                  <a:solidFill>
-                    <a:schemeClr val="bg1"/>
-                  </a:solidFill>
-                </a:rPr>
-                <a:t>JS</a:t>
-              </a:r>
-              <a:endParaRPr lang="es-ES" sz="3600" b="1" dirty="0">
-                <a:solidFill>
-                  <a:schemeClr val="bg1"/>
-                </a:solidFill>
-              </a:endParaRPr>
-            </a:p>
-          </p:txBody>
-        </p:sp>
-        <p:sp>
-          <p:nvSpPr>
-            <p:cNvPr id="13" name="CuadroTexto 12"/>
-            <p:cNvSpPr txBox="1"/>
-            <p:nvPr/>
-          </p:nvSpPr>
-          <p:spPr>
-            <a:xfrm>
-              <a:off x="7040625" y="1630541"/>
-              <a:ext cx="1005403" cy="646331"/>
-            </a:xfrm>
-            <a:prstGeom prst="rect">
-              <a:avLst/>
-            </a:prstGeom>
-            <a:noFill/>
-          </p:spPr>
-          <p:txBody>
-            <a:bodyPr wrap="none" rtlCol="0">
-              <a:spAutoFit/>
-            </a:bodyPr>
-            <a:lstStyle/>
-            <a:p>
-              <a:r>
-                <a:rPr lang="es-ES" sz="3600" b="1" dirty="0" smtClean="0">
-                  <a:solidFill>
-                    <a:schemeClr val="bg1"/>
-                  </a:solidFill>
-                </a:rPr>
-                <a:t>DAY</a:t>
-              </a:r>
-              <a:endParaRPr lang="es-ES" sz="3600" b="1" dirty="0">
-                <a:solidFill>
-                  <a:schemeClr val="bg1"/>
-                </a:solidFill>
-              </a:endParaRPr>
-            </a:p>
-          </p:txBody>
-        </p:sp>
-        <p:sp>
-          <p:nvSpPr>
-            <p:cNvPr id="14" name="CuadroTexto 13"/>
-            <p:cNvSpPr txBox="1"/>
-            <p:nvPr/>
-          </p:nvSpPr>
-          <p:spPr>
-            <a:xfrm>
-              <a:off x="7057497" y="1412776"/>
-              <a:ext cx="1178465" cy="400110"/>
-            </a:xfrm>
-            <a:prstGeom prst="rect">
-              <a:avLst/>
-            </a:prstGeom>
-            <a:noFill/>
-          </p:spPr>
-          <p:txBody>
-            <a:bodyPr wrap="none" rtlCol="0">
-              <a:spAutoFit/>
-            </a:bodyPr>
-            <a:lstStyle/>
-            <a:p>
-              <a:r>
-                <a:rPr lang="es-ES" sz="1000" dirty="0" smtClean="0">
-                  <a:solidFill>
-                    <a:schemeClr val="bg1"/>
-                  </a:solidFill>
-                </a:rPr>
-                <a:t>29 y 30 ABRIL 2016</a:t>
-              </a:r>
-            </a:p>
-            <a:p>
-              <a:r>
-                <a:rPr lang="es-ES" sz="1000" dirty="0" smtClean="0">
-                  <a:solidFill>
-                    <a:schemeClr val="bg1"/>
-                  </a:solidFill>
-                </a:rPr>
-                <a:t>MADRID</a:t>
-              </a:r>
-              <a:endParaRPr lang="es-ES" sz="1000" dirty="0">
-                <a:solidFill>
-                  <a:schemeClr val="bg1"/>
-                </a:solidFill>
-              </a:endParaRPr>
-            </a:p>
-          </p:txBody>
-        </p:sp>
-      </p:grpSp>
-      <p:grpSp>
-        <p:nvGrpSpPr>
           <p:cNvPr id="15" name="Agrupar 14"/>
           <p:cNvGrpSpPr/>
           <p:nvPr/>
         </p:nvGrpSpPr>
         <p:grpSpPr>
           <a:xfrm>
-            <a:off x="3710981" y="4258269"/>
-            <a:ext cx="2079786" cy="864096"/>
+            <a:off x="2119378" y="3213570"/>
+            <a:ext cx="2250102" cy="864096"/>
             <a:chOff x="6156176" y="1412776"/>
-            <a:chExt cx="2079786" cy="864096"/>
+            <a:chExt cx="2250102" cy="864096"/>
           </a:xfrm>
         </p:grpSpPr>
         <p:sp>
@@ -3635,7 +3451,7 @@
           <p:spPr>
             <a:xfrm>
               <a:off x="7040625" y="1630541"/>
-              <a:ext cx="1005403" cy="646331"/>
+              <a:ext cx="1365653" cy="646331"/>
             </a:xfrm>
             <a:prstGeom prst="rect">
               <a:avLst/>
@@ -3656,7 +3472,7 @@
                     </a:schemeClr>
                   </a:solidFill>
                 </a:rPr>
-                <a:t>DAY</a:t>
+                <a:t>DayES</a:t>
               </a:r>
               <a:endParaRPr lang="es-ES" sz="3600" b="1" dirty="0">
                 <a:solidFill>
@@ -3762,10 +3578,10 @@
         </p:nvGrpSpPr>
         <p:grpSpPr>
           <a:xfrm>
-            <a:off x="3697153" y="5235714"/>
-            <a:ext cx="2427510" cy="864096"/>
+            <a:off x="2105550" y="4191015"/>
+            <a:ext cx="2250102" cy="864096"/>
             <a:chOff x="6156176" y="1412776"/>
-            <a:chExt cx="2427510" cy="864096"/>
+            <a:chExt cx="2250102" cy="864096"/>
           </a:xfrm>
         </p:grpSpPr>
         <p:sp>
@@ -3860,7 +3676,7 @@
           <p:spPr>
             <a:xfrm>
               <a:off x="7040625" y="1630541"/>
-              <a:ext cx="1543061" cy="646331"/>
+              <a:ext cx="1365653" cy="646331"/>
             </a:xfrm>
             <a:prstGeom prst="rect">
               <a:avLst/>
@@ -3879,7 +3695,7 @@
                     <a:schemeClr val="bg1"/>
                   </a:solidFill>
                 </a:rPr>
-                <a:t>DAY ES</a:t>
+                <a:t>DayES</a:t>
               </a:r>
               <a:endParaRPr lang="es-ES" sz="3600" b="1" dirty="0">
                 <a:solidFill>
@@ -3930,6 +3746,480 @@
                 <a:t>MADRID</a:t>
               </a:r>
               <a:endParaRPr lang="es-ES" sz="1000" dirty="0">
+                <a:solidFill>
+                  <a:schemeClr val="bg1"/>
+                </a:solidFill>
+              </a:endParaRPr>
+            </a:p>
+          </p:txBody>
+        </p:sp>
+      </p:grpSp>
+      <p:sp>
+        <p:nvSpPr>
+          <p:cNvPr id="27" name="Rectángulo 26"/>
+          <p:cNvSpPr/>
+          <p:nvPr/>
+        </p:nvSpPr>
+        <p:spPr>
+          <a:xfrm>
+            <a:off x="4826288" y="1950193"/>
+            <a:ext cx="2890397" cy="4449664"/>
+          </a:xfrm>
+          <a:prstGeom prst="rect">
+            <a:avLst/>
+          </a:prstGeom>
+          <a:solidFill>
+            <a:schemeClr val="tx1">
+              <a:lumMod val="75000"/>
+              <a:lumOff val="25000"/>
+            </a:schemeClr>
+          </a:solidFill>
+          <a:ln>
+            <a:noFill/>
+          </a:ln>
+          <a:effectLst/>
+        </p:spPr>
+        <p:style>
+          <a:lnRef idx="1">
+            <a:schemeClr val="accent1"/>
+          </a:lnRef>
+          <a:fillRef idx="3">
+            <a:schemeClr val="accent1"/>
+          </a:fillRef>
+          <a:effectRef idx="2">
+            <a:schemeClr val="accent1"/>
+          </a:effectRef>
+          <a:fontRef idx="minor">
+            <a:schemeClr val="lt1"/>
+          </a:fontRef>
+        </p:style>
+        <p:txBody>
+          <a:bodyPr rtlCol="0" anchor="ctr"/>
+          <a:lstStyle/>
+          <a:p>
+            <a:pPr algn="ctr"/>
+            <a:endParaRPr lang="es-ES"/>
+          </a:p>
+        </p:txBody>
+      </p:sp>
+      <p:grpSp>
+        <p:nvGrpSpPr>
+          <p:cNvPr id="28" name="Agrupar 27"/>
+          <p:cNvGrpSpPr/>
+          <p:nvPr/>
+        </p:nvGrpSpPr>
+        <p:grpSpPr>
+          <a:xfrm>
+            <a:off x="5166616" y="2313275"/>
+            <a:ext cx="2250102" cy="864096"/>
+            <a:chOff x="6156176" y="1412776"/>
+            <a:chExt cx="2250102" cy="864096"/>
+          </a:xfrm>
+        </p:grpSpPr>
+        <p:sp>
+          <p:nvSpPr>
+            <p:cNvPr id="29" name="Rectángulo 28"/>
+            <p:cNvSpPr/>
+            <p:nvPr/>
+          </p:nvSpPr>
+          <p:spPr>
+            <a:xfrm>
+              <a:off x="6156176" y="1412776"/>
+              <a:ext cx="864096" cy="792088"/>
+            </a:xfrm>
+            <a:prstGeom prst="rect">
+              <a:avLst/>
+            </a:prstGeom>
+            <a:solidFill>
+              <a:srgbClr val="FBB623"/>
+            </a:solidFill>
+            <a:ln>
+              <a:noFill/>
+            </a:ln>
+            <a:effectLst/>
+          </p:spPr>
+          <p:style>
+            <a:lnRef idx="1">
+              <a:schemeClr val="accent1"/>
+            </a:lnRef>
+            <a:fillRef idx="3">
+              <a:schemeClr val="accent1"/>
+            </a:fillRef>
+            <a:effectRef idx="2">
+              <a:schemeClr val="accent1"/>
+            </a:effectRef>
+            <a:fontRef idx="minor">
+              <a:schemeClr val="lt1"/>
+            </a:fontRef>
+          </p:style>
+          <p:txBody>
+            <a:bodyPr rtlCol="0" anchor="ctr"/>
+            <a:lstStyle/>
+            <a:p>
+              <a:pPr algn="ctr"/>
+              <a:endParaRPr lang="es-ES" dirty="0"/>
+            </a:p>
+          </p:txBody>
+        </p:sp>
+        <p:sp>
+          <p:nvSpPr>
+            <p:cNvPr id="30" name="CuadroTexto 29"/>
+            <p:cNvSpPr txBox="1"/>
+            <p:nvPr/>
+          </p:nvSpPr>
+          <p:spPr>
+            <a:xfrm>
+              <a:off x="6315157" y="1630541"/>
+              <a:ext cx="555711" cy="646331"/>
+            </a:xfrm>
+            <a:prstGeom prst="rect">
+              <a:avLst/>
+            </a:prstGeom>
+            <a:noFill/>
+          </p:spPr>
+          <p:txBody>
+            <a:bodyPr wrap="none" rtlCol="0">
+              <a:spAutoFit/>
+            </a:bodyPr>
+            <a:lstStyle/>
+            <a:p>
+              <a:r>
+                <a:rPr lang="es-ES" sz="3600" b="1" dirty="0" smtClean="0">
+                  <a:solidFill>
+                    <a:schemeClr val="tx2">
+                      <a:lumMod val="75000"/>
+                    </a:schemeClr>
+                  </a:solidFill>
+                </a:rPr>
+                <a:t>JS</a:t>
+              </a:r>
+              <a:endParaRPr lang="es-ES" sz="3600" b="1" dirty="0">
+                <a:solidFill>
+                  <a:schemeClr val="tx2">
+                    <a:lumMod val="75000"/>
+                  </a:schemeClr>
+                </a:solidFill>
+              </a:endParaRPr>
+            </a:p>
+          </p:txBody>
+        </p:sp>
+        <p:sp>
+          <p:nvSpPr>
+            <p:cNvPr id="31" name="CuadroTexto 30"/>
+            <p:cNvSpPr txBox="1"/>
+            <p:nvPr/>
+          </p:nvSpPr>
+          <p:spPr>
+            <a:xfrm>
+              <a:off x="7040625" y="1630541"/>
+              <a:ext cx="1365653" cy="646331"/>
+            </a:xfrm>
+            <a:prstGeom prst="rect">
+              <a:avLst/>
+            </a:prstGeom>
+            <a:noFill/>
+          </p:spPr>
+          <p:txBody>
+            <a:bodyPr wrap="none" rtlCol="0">
+              <a:spAutoFit/>
+            </a:bodyPr>
+            <a:lstStyle/>
+            <a:p>
+              <a:r>
+                <a:rPr lang="es-ES" sz="3600" b="1" dirty="0" smtClean="0">
+                  <a:solidFill>
+                    <a:schemeClr val="bg1"/>
+                  </a:solidFill>
+                </a:rPr>
+                <a:t>DayES</a:t>
+              </a:r>
+              <a:endParaRPr lang="es-ES" sz="3600" b="1" dirty="0">
+                <a:solidFill>
+                  <a:schemeClr val="bg1"/>
+                </a:solidFill>
+              </a:endParaRPr>
+            </a:p>
+          </p:txBody>
+        </p:sp>
+      </p:grpSp>
+      <p:grpSp>
+        <p:nvGrpSpPr>
+          <p:cNvPr id="38" name="Agrupar 37"/>
+          <p:cNvGrpSpPr/>
+          <p:nvPr/>
+        </p:nvGrpSpPr>
+        <p:grpSpPr>
+          <a:xfrm>
+            <a:off x="5162175" y="3213570"/>
+            <a:ext cx="2250102" cy="864096"/>
+            <a:chOff x="6156176" y="1412776"/>
+            <a:chExt cx="2250102" cy="864096"/>
+          </a:xfrm>
+        </p:grpSpPr>
+        <p:sp>
+          <p:nvSpPr>
+            <p:cNvPr id="39" name="Rectángulo 38"/>
+            <p:cNvSpPr/>
+            <p:nvPr/>
+          </p:nvSpPr>
+          <p:spPr>
+            <a:xfrm>
+              <a:off x="6156176" y="1412776"/>
+              <a:ext cx="864096" cy="792088"/>
+            </a:xfrm>
+            <a:prstGeom prst="rect">
+              <a:avLst/>
+            </a:prstGeom>
+            <a:solidFill>
+              <a:srgbClr val="FBB623"/>
+            </a:solidFill>
+            <a:ln>
+              <a:noFill/>
+            </a:ln>
+            <a:effectLst/>
+          </p:spPr>
+          <p:style>
+            <a:lnRef idx="1">
+              <a:schemeClr val="accent1"/>
+            </a:lnRef>
+            <a:fillRef idx="3">
+              <a:schemeClr val="accent1"/>
+            </a:fillRef>
+            <a:effectRef idx="2">
+              <a:schemeClr val="accent1"/>
+            </a:effectRef>
+            <a:fontRef idx="minor">
+              <a:schemeClr val="lt1"/>
+            </a:fontRef>
+          </p:style>
+          <p:txBody>
+            <a:bodyPr rtlCol="0" anchor="ctr"/>
+            <a:lstStyle/>
+            <a:p>
+              <a:pPr algn="ctr"/>
+              <a:endParaRPr lang="es-ES" dirty="0">
+                <a:solidFill>
+                  <a:schemeClr val="tx2">
+                    <a:lumMod val="75000"/>
+                  </a:schemeClr>
+                </a:solidFill>
+              </a:endParaRPr>
+            </a:p>
+          </p:txBody>
+        </p:sp>
+        <p:sp>
+          <p:nvSpPr>
+            <p:cNvPr id="40" name="CuadroTexto 39"/>
+            <p:cNvSpPr txBox="1"/>
+            <p:nvPr/>
+          </p:nvSpPr>
+          <p:spPr>
+            <a:xfrm>
+              <a:off x="6315157" y="1630541"/>
+              <a:ext cx="555711" cy="646331"/>
+            </a:xfrm>
+            <a:prstGeom prst="rect">
+              <a:avLst/>
+            </a:prstGeom>
+            <a:noFill/>
+          </p:spPr>
+          <p:txBody>
+            <a:bodyPr wrap="none" rtlCol="0">
+              <a:spAutoFit/>
+            </a:bodyPr>
+            <a:lstStyle/>
+            <a:p>
+              <a:r>
+                <a:rPr lang="es-ES" sz="3600" b="1" dirty="0" smtClean="0">
+                  <a:solidFill>
+                    <a:schemeClr val="tx2">
+                      <a:lumMod val="75000"/>
+                    </a:schemeClr>
+                  </a:solidFill>
+                </a:rPr>
+                <a:t>JS</a:t>
+              </a:r>
+              <a:endParaRPr lang="es-ES" sz="3600" b="1" dirty="0">
+                <a:solidFill>
+                  <a:schemeClr val="tx2">
+                    <a:lumMod val="75000"/>
+                  </a:schemeClr>
+                </a:solidFill>
+              </a:endParaRPr>
+            </a:p>
+          </p:txBody>
+        </p:sp>
+        <p:sp>
+          <p:nvSpPr>
+            <p:cNvPr id="41" name="CuadroTexto 40"/>
+            <p:cNvSpPr txBox="1"/>
+            <p:nvPr/>
+          </p:nvSpPr>
+          <p:spPr>
+            <a:xfrm>
+              <a:off x="7040625" y="1630541"/>
+              <a:ext cx="1365653" cy="646331"/>
+            </a:xfrm>
+            <a:prstGeom prst="rect">
+              <a:avLst/>
+            </a:prstGeom>
+            <a:noFill/>
+          </p:spPr>
+          <p:txBody>
+            <a:bodyPr wrap="none" rtlCol="0">
+              <a:spAutoFit/>
+            </a:bodyPr>
+            <a:lstStyle/>
+            <a:p>
+              <a:r>
+                <a:rPr lang="es-ES" sz="3600" b="1" dirty="0" smtClean="0">
+                  <a:solidFill>
+                    <a:schemeClr val="tx2">
+                      <a:lumMod val="75000"/>
+                    </a:schemeClr>
+                  </a:solidFill>
+                </a:rPr>
+                <a:t>DayES</a:t>
+              </a:r>
+              <a:endParaRPr lang="es-ES" sz="3600" b="1" dirty="0">
+                <a:solidFill>
+                  <a:schemeClr val="tx2">
+                    <a:lumMod val="75000"/>
+                  </a:schemeClr>
+                </a:solidFill>
+              </a:endParaRPr>
+            </a:p>
+          </p:txBody>
+        </p:sp>
+      </p:grpSp>
+      <p:grpSp>
+        <p:nvGrpSpPr>
+          <p:cNvPr id="43" name="Agrupar 42"/>
+          <p:cNvGrpSpPr/>
+          <p:nvPr/>
+        </p:nvGrpSpPr>
+        <p:grpSpPr>
+          <a:xfrm>
+            <a:off x="5148347" y="4191015"/>
+            <a:ext cx="2250102" cy="864096"/>
+            <a:chOff x="6156176" y="1412776"/>
+            <a:chExt cx="2250102" cy="864096"/>
+          </a:xfrm>
+        </p:grpSpPr>
+        <p:sp>
+          <p:nvSpPr>
+            <p:cNvPr id="44" name="Rectángulo 43"/>
+            <p:cNvSpPr/>
+            <p:nvPr/>
+          </p:nvSpPr>
+          <p:spPr>
+            <a:xfrm>
+              <a:off x="6156176" y="1412776"/>
+              <a:ext cx="864096" cy="792088"/>
+            </a:xfrm>
+            <a:prstGeom prst="rect">
+              <a:avLst/>
+            </a:prstGeom>
+            <a:solidFill>
+              <a:srgbClr val="FBB623"/>
+            </a:solidFill>
+            <a:ln>
+              <a:noFill/>
+            </a:ln>
+            <a:effectLst/>
+          </p:spPr>
+          <p:style>
+            <a:lnRef idx="1">
+              <a:schemeClr val="accent1"/>
+            </a:lnRef>
+            <a:fillRef idx="3">
+              <a:schemeClr val="accent1"/>
+            </a:fillRef>
+            <a:effectRef idx="2">
+              <a:schemeClr val="accent1"/>
+            </a:effectRef>
+            <a:fontRef idx="minor">
+              <a:schemeClr val="lt1"/>
+            </a:fontRef>
+          </p:style>
+          <p:txBody>
+            <a:bodyPr rtlCol="0" anchor="ctr"/>
+            <a:lstStyle/>
+            <a:p>
+              <a:pPr algn="ctr"/>
+              <a:endParaRPr lang="es-ES" dirty="0"/>
+            </a:p>
+          </p:txBody>
+        </p:sp>
+        <p:sp>
+          <p:nvSpPr>
+            <p:cNvPr id="45" name="CuadroTexto 44"/>
+            <p:cNvSpPr txBox="1"/>
+            <p:nvPr/>
+          </p:nvSpPr>
+          <p:spPr>
+            <a:xfrm>
+              <a:off x="6315157" y="1630541"/>
+              <a:ext cx="555711" cy="646331"/>
+            </a:xfrm>
+            <a:prstGeom prst="rect">
+              <a:avLst/>
+            </a:prstGeom>
+            <a:noFill/>
+          </p:spPr>
+          <p:txBody>
+            <a:bodyPr wrap="none" rtlCol="0">
+              <a:spAutoFit/>
+            </a:bodyPr>
+            <a:lstStyle/>
+            <a:p>
+              <a:r>
+                <a:rPr lang="es-ES" sz="3600" b="1" dirty="0" smtClean="0">
+                  <a:solidFill>
+                    <a:schemeClr val="bg1"/>
+                  </a:solidFill>
+                </a:rPr>
+                <a:t>JS</a:t>
+              </a:r>
+              <a:endParaRPr lang="es-ES" sz="3600" b="1" dirty="0">
+                <a:solidFill>
+                  <a:schemeClr val="bg1"/>
+                </a:solidFill>
+              </a:endParaRPr>
+            </a:p>
+          </p:txBody>
+        </p:sp>
+        <p:sp>
+          <p:nvSpPr>
+            <p:cNvPr id="46" name="CuadroTexto 45"/>
+            <p:cNvSpPr txBox="1"/>
+            <p:nvPr/>
+          </p:nvSpPr>
+          <p:spPr>
+            <a:xfrm>
+              <a:off x="7040625" y="1630541"/>
+              <a:ext cx="1365653" cy="646331"/>
+            </a:xfrm>
+            <a:prstGeom prst="rect">
+              <a:avLst/>
+            </a:prstGeom>
+            <a:noFill/>
+          </p:spPr>
+          <p:txBody>
+            <a:bodyPr wrap="none" rtlCol="0">
+              <a:spAutoFit/>
+            </a:bodyPr>
+            <a:lstStyle/>
+            <a:p>
+              <a:r>
+                <a:rPr lang="es-ES" sz="3600" b="1" dirty="0" smtClean="0">
+                  <a:solidFill>
+                    <a:schemeClr val="bg1"/>
+                  </a:solidFill>
+                </a:rPr>
+                <a:t>DayES</a:t>
+              </a:r>
+              <a:endParaRPr lang="es-ES" sz="3600" b="1" dirty="0">
                 <a:solidFill>
                   <a:schemeClr val="bg1"/>
                 </a:solidFill>
@@ -4559,7 +4849,846 @@
       </p:grpSpPr>
       <p:grpSp>
         <p:nvGrpSpPr>
-          <p:cNvPr id="4" name="Agrupar 3"/>
+          <p:cNvPr id="2" name="Agrupar 1"/>
+          <p:cNvGrpSpPr/>
+          <p:nvPr/>
+        </p:nvGrpSpPr>
+        <p:grpSpPr>
+          <a:xfrm>
+            <a:off x="-2409074" y="4012123"/>
+            <a:ext cx="2101154" cy="752432"/>
+            <a:chOff x="-2357234" y="4203305"/>
+            <a:chExt cx="2101154" cy="752432"/>
+          </a:xfrm>
+        </p:grpSpPr>
+        <p:grpSp>
+          <p:nvGrpSpPr>
+            <p:cNvPr id="37" name="Agrupar 36"/>
+            <p:cNvGrpSpPr/>
+            <p:nvPr/>
+          </p:nvGrpSpPr>
+          <p:grpSpPr>
+            <a:xfrm>
+              <a:off x="-2357234" y="4218540"/>
+              <a:ext cx="2041121" cy="737197"/>
+              <a:chOff x="6156176" y="1512680"/>
+              <a:chExt cx="2041121" cy="737197"/>
+            </a:xfrm>
+          </p:grpSpPr>
+          <p:sp>
+            <p:nvSpPr>
+              <p:cNvPr id="45" name="Rectángulo 44"/>
+              <p:cNvSpPr/>
+              <p:nvPr/>
+            </p:nvSpPr>
+            <p:spPr>
+              <a:xfrm>
+                <a:off x="6156176" y="1512680"/>
+                <a:ext cx="788919" cy="692183"/>
+              </a:xfrm>
+              <a:prstGeom prst="rect">
+                <a:avLst/>
+              </a:prstGeom>
+              <a:solidFill>
+                <a:srgbClr val="FBB623"/>
+              </a:solidFill>
+              <a:ln>
+                <a:noFill/>
+              </a:ln>
+              <a:effectLst/>
+            </p:spPr>
+            <p:style>
+              <a:lnRef idx="1">
+                <a:schemeClr val="accent1"/>
+              </a:lnRef>
+              <a:fillRef idx="3">
+                <a:schemeClr val="accent1"/>
+              </a:fillRef>
+              <a:effectRef idx="2">
+                <a:schemeClr val="accent1"/>
+              </a:effectRef>
+              <a:fontRef idx="minor">
+                <a:schemeClr val="lt1"/>
+              </a:fontRef>
+            </p:style>
+            <p:txBody>
+              <a:bodyPr rtlCol="0" anchor="ctr"/>
+              <a:lstStyle/>
+              <a:p>
+                <a:pPr algn="ctr"/>
+                <a:endParaRPr lang="es-ES" sz="1600" dirty="0"/>
+              </a:p>
+            </p:txBody>
+          </p:sp>
+          <p:sp>
+            <p:nvSpPr>
+              <p:cNvPr id="46" name="CuadroTexto 45"/>
+              <p:cNvSpPr txBox="1"/>
+              <p:nvPr/>
+            </p:nvSpPr>
+            <p:spPr>
+              <a:xfrm>
+                <a:off x="6332437" y="1665101"/>
+                <a:ext cx="514484" cy="584776"/>
+              </a:xfrm>
+              <a:prstGeom prst="rect">
+                <a:avLst/>
+              </a:prstGeom>
+              <a:noFill/>
+            </p:spPr>
+            <p:txBody>
+              <a:bodyPr wrap="none" rtlCol="0">
+                <a:spAutoFit/>
+              </a:bodyPr>
+              <a:lstStyle/>
+              <a:p>
+                <a:r>
+                  <a:rPr lang="es-ES" sz="3200" b="1" dirty="0" smtClean="0">
+                    <a:solidFill>
+                      <a:schemeClr val="bg1"/>
+                    </a:solidFill>
+                  </a:rPr>
+                  <a:t>JS</a:t>
+                </a:r>
+                <a:endParaRPr lang="es-ES" sz="3200" b="1" dirty="0">
+                  <a:solidFill>
+                    <a:schemeClr val="bg1"/>
+                  </a:solidFill>
+                </a:endParaRPr>
+              </a:p>
+            </p:txBody>
+          </p:sp>
+          <p:sp>
+            <p:nvSpPr>
+              <p:cNvPr id="47" name="CuadroTexto 46"/>
+              <p:cNvSpPr txBox="1"/>
+              <p:nvPr/>
+            </p:nvSpPr>
+            <p:spPr>
+              <a:xfrm>
+                <a:off x="6962865" y="1665101"/>
+                <a:ext cx="1234432" cy="584776"/>
+              </a:xfrm>
+              <a:prstGeom prst="rect">
+                <a:avLst/>
+              </a:prstGeom>
+              <a:noFill/>
+            </p:spPr>
+            <p:txBody>
+              <a:bodyPr wrap="none" rtlCol="0">
+                <a:spAutoFit/>
+              </a:bodyPr>
+              <a:lstStyle/>
+              <a:p>
+                <a:r>
+                  <a:rPr lang="es-ES" sz="3200" b="1" dirty="0" smtClean="0">
+                    <a:solidFill>
+                      <a:schemeClr val="bg1"/>
+                    </a:solidFill>
+                  </a:rPr>
+                  <a:t>DayES</a:t>
+                </a:r>
+                <a:endParaRPr lang="es-ES" sz="3200" b="1" dirty="0">
+                  <a:solidFill>
+                    <a:schemeClr val="bg1"/>
+                  </a:solidFill>
+                </a:endParaRPr>
+              </a:p>
+            </p:txBody>
+          </p:sp>
+        </p:grpSp>
+        <p:sp>
+          <p:nvSpPr>
+            <p:cNvPr id="63" name="CuadroTexto 62"/>
+            <p:cNvSpPr txBox="1"/>
+            <p:nvPr/>
+          </p:nvSpPr>
+          <p:spPr>
+            <a:xfrm>
+              <a:off x="-1520498" y="4203305"/>
+              <a:ext cx="1264418" cy="369332"/>
+            </a:xfrm>
+            <a:prstGeom prst="rect">
+              <a:avLst/>
+            </a:prstGeom>
+            <a:noFill/>
+          </p:spPr>
+          <p:txBody>
+            <a:bodyPr wrap="square" rtlCol="0">
+              <a:spAutoFit/>
+            </a:bodyPr>
+            <a:lstStyle/>
+            <a:p>
+              <a:r>
+                <a:rPr lang="es-ES" sz="900" dirty="0" smtClean="0">
+                  <a:solidFill>
+                    <a:schemeClr val="bg1"/>
+                  </a:solidFill>
+                </a:rPr>
+                <a:t>29 y 30 ABRIL 2016</a:t>
+              </a:r>
+            </a:p>
+            <a:p>
+              <a:r>
+                <a:rPr lang="es-ES" sz="900" dirty="0" smtClean="0">
+                  <a:solidFill>
+                    <a:schemeClr val="bg1"/>
+                  </a:solidFill>
+                </a:rPr>
+                <a:t>MADRID</a:t>
+              </a:r>
+              <a:endParaRPr lang="es-ES" sz="900" dirty="0">
+                <a:solidFill>
+                  <a:schemeClr val="bg1"/>
+                </a:solidFill>
+              </a:endParaRPr>
+            </a:p>
+          </p:txBody>
+        </p:sp>
+      </p:grpSp>
+      <p:grpSp>
+        <p:nvGrpSpPr>
+          <p:cNvPr id="65" name="Agrupar 64"/>
+          <p:cNvGrpSpPr/>
+          <p:nvPr/>
+        </p:nvGrpSpPr>
+        <p:grpSpPr>
+          <a:xfrm>
+            <a:off x="-2417267" y="3213180"/>
+            <a:ext cx="2041121" cy="737197"/>
+            <a:chOff x="6156176" y="1512680"/>
+            <a:chExt cx="2041121" cy="737197"/>
+          </a:xfrm>
+        </p:grpSpPr>
+        <p:sp>
+          <p:nvSpPr>
+            <p:cNvPr id="67" name="Rectángulo 66"/>
+            <p:cNvSpPr/>
+            <p:nvPr/>
+          </p:nvSpPr>
+          <p:spPr>
+            <a:xfrm>
+              <a:off x="6156176" y="1512680"/>
+              <a:ext cx="788919" cy="692183"/>
+            </a:xfrm>
+            <a:prstGeom prst="rect">
+              <a:avLst/>
+            </a:prstGeom>
+            <a:solidFill>
+              <a:srgbClr val="FBB623"/>
+            </a:solidFill>
+            <a:ln>
+              <a:noFill/>
+            </a:ln>
+            <a:effectLst/>
+          </p:spPr>
+          <p:style>
+            <a:lnRef idx="1">
+              <a:schemeClr val="accent1"/>
+            </a:lnRef>
+            <a:fillRef idx="3">
+              <a:schemeClr val="accent1"/>
+            </a:fillRef>
+            <a:effectRef idx="2">
+              <a:schemeClr val="accent1"/>
+            </a:effectRef>
+            <a:fontRef idx="minor">
+              <a:schemeClr val="lt1"/>
+            </a:fontRef>
+          </p:style>
+          <p:txBody>
+            <a:bodyPr rtlCol="0" anchor="ctr"/>
+            <a:lstStyle/>
+            <a:p>
+              <a:pPr algn="ctr"/>
+              <a:endParaRPr lang="es-ES" sz="1600" dirty="0"/>
+            </a:p>
+          </p:txBody>
+        </p:sp>
+        <p:sp>
+          <p:nvSpPr>
+            <p:cNvPr id="68" name="CuadroTexto 67"/>
+            <p:cNvSpPr txBox="1"/>
+            <p:nvPr/>
+          </p:nvSpPr>
+          <p:spPr>
+            <a:xfrm>
+              <a:off x="6332437" y="1665101"/>
+              <a:ext cx="514484" cy="584776"/>
+            </a:xfrm>
+            <a:prstGeom prst="rect">
+              <a:avLst/>
+            </a:prstGeom>
+            <a:noFill/>
+          </p:spPr>
+          <p:txBody>
+            <a:bodyPr wrap="none" rtlCol="0">
+              <a:spAutoFit/>
+            </a:bodyPr>
+            <a:lstStyle/>
+            <a:p>
+              <a:r>
+                <a:rPr lang="es-ES" sz="3200" b="1" dirty="0" smtClean="0">
+                  <a:solidFill>
+                    <a:schemeClr val="bg1"/>
+                  </a:solidFill>
+                </a:rPr>
+                <a:t>JS</a:t>
+              </a:r>
+              <a:endParaRPr lang="es-ES" sz="3200" b="1" dirty="0">
+                <a:solidFill>
+                  <a:schemeClr val="bg1"/>
+                </a:solidFill>
+              </a:endParaRPr>
+            </a:p>
+          </p:txBody>
+        </p:sp>
+        <p:sp>
+          <p:nvSpPr>
+            <p:cNvPr id="69" name="CuadroTexto 68"/>
+            <p:cNvSpPr txBox="1"/>
+            <p:nvPr/>
+          </p:nvSpPr>
+          <p:spPr>
+            <a:xfrm>
+              <a:off x="6962865" y="1665101"/>
+              <a:ext cx="1234432" cy="584776"/>
+            </a:xfrm>
+            <a:prstGeom prst="rect">
+              <a:avLst/>
+            </a:prstGeom>
+            <a:noFill/>
+          </p:spPr>
+          <p:txBody>
+            <a:bodyPr wrap="none" rtlCol="0">
+              <a:spAutoFit/>
+            </a:bodyPr>
+            <a:lstStyle/>
+            <a:p>
+              <a:r>
+                <a:rPr lang="es-ES" sz="3200" b="1" dirty="0" smtClean="0">
+                  <a:solidFill>
+                    <a:schemeClr val="bg1"/>
+                  </a:solidFill>
+                </a:rPr>
+                <a:t>DayES</a:t>
+              </a:r>
+              <a:endParaRPr lang="es-ES" sz="3200" b="1" dirty="0">
+                <a:solidFill>
+                  <a:schemeClr val="bg1"/>
+                </a:solidFill>
+              </a:endParaRPr>
+            </a:p>
+          </p:txBody>
+        </p:sp>
+      </p:grpSp>
+      <p:pic>
+        <p:nvPicPr>
+          <p:cNvPr id="13" name="Imagen 12" descr="img-1.jpg"/>
+          <p:cNvPicPr>
+            <a:picLocks noChangeAspect="1"/>
+          </p:cNvPicPr>
+          <p:nvPr/>
+        </p:nvPicPr>
+        <p:blipFill rotWithShape="1">
+          <a:blip r:embed="rId2">
+            <a:extLst>
+              <a:ext uri="{28A0092B-C50C-407E-A947-70E740481C1C}">
+                <a14:useLocalDpi xmlns:a14="http://schemas.microsoft.com/office/drawing/2010/main" val="0"/>
+              </a:ext>
+            </a:extLst>
+          </a:blip>
+          <a:srcRect l="33848" t="26264" r="42674" b="38574"/>
+          <a:stretch/>
+        </p:blipFill>
+        <p:spPr>
+          <a:xfrm>
+            <a:off x="902929" y="3872979"/>
+            <a:ext cx="2146710" cy="2143433"/>
+          </a:xfrm>
+          <a:prstGeom prst="rect">
+            <a:avLst/>
+          </a:prstGeom>
+        </p:spPr>
+      </p:pic>
+      <p:sp>
+        <p:nvSpPr>
+          <p:cNvPr id="20" name="Rectángulo 19"/>
+          <p:cNvSpPr/>
+          <p:nvPr/>
+        </p:nvSpPr>
+        <p:spPr>
+          <a:xfrm>
+            <a:off x="902929" y="5048119"/>
+            <a:ext cx="2146710" cy="968293"/>
+          </a:xfrm>
+          <a:prstGeom prst="rect">
+            <a:avLst/>
+          </a:prstGeom>
+          <a:solidFill>
+            <a:schemeClr val="tx1">
+              <a:alpha val="50000"/>
+            </a:schemeClr>
+          </a:solidFill>
+          <a:ln>
+            <a:noFill/>
+          </a:ln>
+          <a:effectLst/>
+        </p:spPr>
+        <p:style>
+          <a:lnRef idx="1">
+            <a:schemeClr val="accent1"/>
+          </a:lnRef>
+          <a:fillRef idx="3">
+            <a:schemeClr val="accent1"/>
+          </a:fillRef>
+          <a:effectRef idx="2">
+            <a:schemeClr val="accent1"/>
+          </a:effectRef>
+          <a:fontRef idx="minor">
+            <a:schemeClr val="lt1"/>
+          </a:fontRef>
+        </p:style>
+        <p:txBody>
+          <a:bodyPr rtlCol="0" anchor="ctr"/>
+          <a:lstStyle/>
+          <a:p>
+            <a:pPr algn="ctr"/>
+            <a:endParaRPr lang="es-ES"/>
+          </a:p>
+        </p:txBody>
+      </p:sp>
+      <p:sp>
+        <p:nvSpPr>
+          <p:cNvPr id="21" name="CuadroTexto 20"/>
+          <p:cNvSpPr txBox="1"/>
+          <p:nvPr/>
+        </p:nvSpPr>
+        <p:spPr>
+          <a:xfrm>
+            <a:off x="1067729" y="5154635"/>
+            <a:ext cx="1774745" cy="584776"/>
+          </a:xfrm>
+          <a:prstGeom prst="rect">
+            <a:avLst/>
+          </a:prstGeom>
+          <a:noFill/>
+        </p:spPr>
+        <p:txBody>
+          <a:bodyPr wrap="none" rtlCol="0">
+            <a:spAutoFit/>
+          </a:bodyPr>
+          <a:lstStyle/>
+          <a:p>
+            <a:pPr algn="ctr"/>
+            <a:r>
+              <a:rPr lang="es-ES" sz="1600" dirty="0" smtClean="0">
+                <a:solidFill>
+                  <a:srgbClr val="FFFFFF"/>
+                </a:solidFill>
+              </a:rPr>
+              <a:t>29 y 30 ABRIL 2016</a:t>
+            </a:r>
+          </a:p>
+          <a:p>
+            <a:pPr algn="ctr"/>
+            <a:r>
+              <a:rPr lang="es-ES" sz="1600" dirty="0" smtClean="0">
+                <a:solidFill>
+                  <a:srgbClr val="FFFFFF"/>
+                </a:solidFill>
+              </a:rPr>
+              <a:t>MADRID</a:t>
+            </a:r>
+            <a:endParaRPr lang="es-ES" sz="1600" dirty="0">
+              <a:solidFill>
+                <a:srgbClr val="FFFFFF"/>
+              </a:solidFill>
+            </a:endParaRPr>
+          </a:p>
+        </p:txBody>
+      </p:sp>
+      <p:grpSp>
+        <p:nvGrpSpPr>
+          <p:cNvPr id="70" name="Agrupar 69"/>
+          <p:cNvGrpSpPr/>
+          <p:nvPr/>
+        </p:nvGrpSpPr>
+        <p:grpSpPr>
+          <a:xfrm>
+            <a:off x="976026" y="4060470"/>
+            <a:ext cx="1679192" cy="752432"/>
+            <a:chOff x="-2374014" y="4203305"/>
+            <a:chExt cx="2117934" cy="752432"/>
+          </a:xfrm>
+        </p:grpSpPr>
+        <p:grpSp>
+          <p:nvGrpSpPr>
+            <p:cNvPr id="71" name="Agrupar 70"/>
+            <p:cNvGrpSpPr/>
+            <p:nvPr/>
+          </p:nvGrpSpPr>
+          <p:grpSpPr>
+            <a:xfrm>
+              <a:off x="-2374014" y="4218540"/>
+              <a:ext cx="2057901" cy="737197"/>
+              <a:chOff x="6139396" y="1512680"/>
+              <a:chExt cx="2057901" cy="737197"/>
+            </a:xfrm>
+          </p:grpSpPr>
+          <p:sp>
+            <p:nvSpPr>
+              <p:cNvPr id="73" name="Rectángulo 72"/>
+              <p:cNvSpPr/>
+              <p:nvPr/>
+            </p:nvSpPr>
+            <p:spPr>
+              <a:xfrm>
+                <a:off x="6156176" y="1512680"/>
+                <a:ext cx="788919" cy="692183"/>
+              </a:xfrm>
+              <a:prstGeom prst="rect">
+                <a:avLst/>
+              </a:prstGeom>
+              <a:solidFill>
+                <a:srgbClr val="FBB623"/>
+              </a:solidFill>
+              <a:ln>
+                <a:noFill/>
+              </a:ln>
+              <a:effectLst/>
+            </p:spPr>
+            <p:style>
+              <a:lnRef idx="1">
+                <a:schemeClr val="accent1"/>
+              </a:lnRef>
+              <a:fillRef idx="3">
+                <a:schemeClr val="accent1"/>
+              </a:fillRef>
+              <a:effectRef idx="2">
+                <a:schemeClr val="accent1"/>
+              </a:effectRef>
+              <a:fontRef idx="minor">
+                <a:schemeClr val="lt1"/>
+              </a:fontRef>
+            </p:style>
+            <p:txBody>
+              <a:bodyPr rtlCol="0" anchor="ctr"/>
+              <a:lstStyle/>
+              <a:p>
+                <a:pPr algn="ctr"/>
+                <a:endParaRPr lang="es-ES" sz="1600" dirty="0"/>
+              </a:p>
+            </p:txBody>
+          </p:sp>
+          <p:sp>
+            <p:nvSpPr>
+              <p:cNvPr id="74" name="CuadroTexto 73"/>
+              <p:cNvSpPr txBox="1"/>
+              <p:nvPr/>
+            </p:nvSpPr>
+            <p:spPr>
+              <a:xfrm>
+                <a:off x="6139396" y="1665101"/>
+                <a:ext cx="514485" cy="584776"/>
+              </a:xfrm>
+              <a:prstGeom prst="rect">
+                <a:avLst/>
+              </a:prstGeom>
+              <a:noFill/>
+            </p:spPr>
+            <p:txBody>
+              <a:bodyPr wrap="none" rtlCol="0">
+                <a:spAutoFit/>
+              </a:bodyPr>
+              <a:lstStyle/>
+              <a:p>
+                <a:r>
+                  <a:rPr lang="es-ES" sz="3200" b="1" dirty="0" smtClean="0">
+                    <a:solidFill>
+                      <a:schemeClr val="bg1"/>
+                    </a:solidFill>
+                  </a:rPr>
+                  <a:t>JS</a:t>
+                </a:r>
+                <a:endParaRPr lang="es-ES" sz="3200" b="1" dirty="0">
+                  <a:solidFill>
+                    <a:schemeClr val="bg1"/>
+                  </a:solidFill>
+                </a:endParaRPr>
+              </a:p>
+            </p:txBody>
+          </p:sp>
+          <p:sp>
+            <p:nvSpPr>
+              <p:cNvPr id="75" name="CuadroTexto 74"/>
+              <p:cNvSpPr txBox="1"/>
+              <p:nvPr/>
+            </p:nvSpPr>
+            <p:spPr>
+              <a:xfrm>
+                <a:off x="6962865" y="1665101"/>
+                <a:ext cx="1234432" cy="584776"/>
+              </a:xfrm>
+              <a:prstGeom prst="rect">
+                <a:avLst/>
+              </a:prstGeom>
+              <a:noFill/>
+            </p:spPr>
+            <p:txBody>
+              <a:bodyPr wrap="none" rtlCol="0">
+                <a:spAutoFit/>
+              </a:bodyPr>
+              <a:lstStyle/>
+              <a:p>
+                <a:r>
+                  <a:rPr lang="es-ES" sz="3200" b="1" dirty="0" smtClean="0">
+                    <a:solidFill>
+                      <a:schemeClr val="bg1"/>
+                    </a:solidFill>
+                  </a:rPr>
+                  <a:t>DayES</a:t>
+                </a:r>
+                <a:endParaRPr lang="es-ES" sz="3200" b="1" dirty="0">
+                  <a:solidFill>
+                    <a:schemeClr val="bg1"/>
+                  </a:solidFill>
+                </a:endParaRPr>
+              </a:p>
+            </p:txBody>
+          </p:sp>
+        </p:grpSp>
+        <p:sp>
+          <p:nvSpPr>
+            <p:cNvPr id="72" name="CuadroTexto 71"/>
+            <p:cNvSpPr txBox="1"/>
+            <p:nvPr/>
+          </p:nvSpPr>
+          <p:spPr>
+            <a:xfrm>
+              <a:off x="-1520498" y="4203305"/>
+              <a:ext cx="1264418" cy="338554"/>
+            </a:xfrm>
+            <a:prstGeom prst="rect">
+              <a:avLst/>
+            </a:prstGeom>
+            <a:noFill/>
+          </p:spPr>
+          <p:txBody>
+            <a:bodyPr wrap="square" rtlCol="0">
+              <a:spAutoFit/>
+            </a:bodyPr>
+            <a:lstStyle/>
+            <a:p>
+              <a:r>
+                <a:rPr lang="es-ES" sz="1600" dirty="0" smtClean="0">
+                  <a:solidFill>
+                    <a:schemeClr val="bg1"/>
+                  </a:solidFill>
+                </a:rPr>
+                <a:t>2016</a:t>
+              </a:r>
+              <a:endParaRPr lang="es-ES" sz="1600" dirty="0">
+                <a:solidFill>
+                  <a:schemeClr val="bg1"/>
+                </a:solidFill>
+              </a:endParaRPr>
+            </a:p>
+          </p:txBody>
+        </p:sp>
+      </p:grpSp>
+      <p:grpSp>
+        <p:nvGrpSpPr>
+          <p:cNvPr id="76" name="Agrupar 75"/>
+          <p:cNvGrpSpPr/>
+          <p:nvPr/>
+        </p:nvGrpSpPr>
+        <p:grpSpPr>
+          <a:xfrm>
+            <a:off x="-2412406" y="2405065"/>
+            <a:ext cx="2101154" cy="752432"/>
+            <a:chOff x="-2357234" y="4203305"/>
+            <a:chExt cx="2101154" cy="752432"/>
+          </a:xfrm>
+        </p:grpSpPr>
+        <p:grpSp>
+          <p:nvGrpSpPr>
+            <p:cNvPr id="77" name="Agrupar 76"/>
+            <p:cNvGrpSpPr/>
+            <p:nvPr/>
+          </p:nvGrpSpPr>
+          <p:grpSpPr>
+            <a:xfrm>
+              <a:off x="-2357234" y="4218540"/>
+              <a:ext cx="2041121" cy="737197"/>
+              <a:chOff x="6156176" y="1512680"/>
+              <a:chExt cx="2041121" cy="737197"/>
+            </a:xfrm>
+          </p:grpSpPr>
+          <p:sp>
+            <p:nvSpPr>
+              <p:cNvPr id="79" name="Rectángulo 78"/>
+              <p:cNvSpPr/>
+              <p:nvPr/>
+            </p:nvSpPr>
+            <p:spPr>
+              <a:xfrm>
+                <a:off x="6156176" y="1512680"/>
+                <a:ext cx="788919" cy="692183"/>
+              </a:xfrm>
+              <a:prstGeom prst="rect">
+                <a:avLst/>
+              </a:prstGeom>
+              <a:solidFill>
+                <a:srgbClr val="FBB623"/>
+              </a:solidFill>
+              <a:ln>
+                <a:noFill/>
+              </a:ln>
+              <a:effectLst/>
+            </p:spPr>
+            <p:style>
+              <a:lnRef idx="1">
+                <a:schemeClr val="accent1"/>
+              </a:lnRef>
+              <a:fillRef idx="3">
+                <a:schemeClr val="accent1"/>
+              </a:fillRef>
+              <a:effectRef idx="2">
+                <a:schemeClr val="accent1"/>
+              </a:effectRef>
+              <a:fontRef idx="minor">
+                <a:schemeClr val="lt1"/>
+              </a:fontRef>
+            </p:style>
+            <p:txBody>
+              <a:bodyPr rtlCol="0" anchor="ctr"/>
+              <a:lstStyle/>
+              <a:p>
+                <a:pPr algn="ctr"/>
+                <a:endParaRPr lang="es-ES" sz="1600" dirty="0"/>
+              </a:p>
+            </p:txBody>
+          </p:sp>
+          <p:sp>
+            <p:nvSpPr>
+              <p:cNvPr id="80" name="CuadroTexto 79"/>
+              <p:cNvSpPr txBox="1"/>
+              <p:nvPr/>
+            </p:nvSpPr>
+            <p:spPr>
+              <a:xfrm>
+                <a:off x="6332437" y="1665101"/>
+                <a:ext cx="514484" cy="584776"/>
+              </a:xfrm>
+              <a:prstGeom prst="rect">
+                <a:avLst/>
+              </a:prstGeom>
+              <a:noFill/>
+            </p:spPr>
+            <p:txBody>
+              <a:bodyPr wrap="none" rtlCol="0">
+                <a:spAutoFit/>
+              </a:bodyPr>
+              <a:lstStyle/>
+              <a:p>
+                <a:r>
+                  <a:rPr lang="es-ES" sz="3200" b="1" dirty="0" smtClean="0">
+                    <a:solidFill>
+                      <a:schemeClr val="bg1"/>
+                    </a:solidFill>
+                  </a:rPr>
+                  <a:t>JS</a:t>
+                </a:r>
+                <a:endParaRPr lang="es-ES" sz="3200" b="1" dirty="0">
+                  <a:solidFill>
+                    <a:schemeClr val="bg1"/>
+                  </a:solidFill>
+                </a:endParaRPr>
+              </a:p>
+            </p:txBody>
+          </p:sp>
+          <p:sp>
+            <p:nvSpPr>
+              <p:cNvPr id="81" name="CuadroTexto 80"/>
+              <p:cNvSpPr txBox="1"/>
+              <p:nvPr/>
+            </p:nvSpPr>
+            <p:spPr>
+              <a:xfrm>
+                <a:off x="6962865" y="1665101"/>
+                <a:ext cx="1234432" cy="584776"/>
+              </a:xfrm>
+              <a:prstGeom prst="rect">
+                <a:avLst/>
+              </a:prstGeom>
+              <a:noFill/>
+            </p:spPr>
+            <p:txBody>
+              <a:bodyPr wrap="none" rtlCol="0">
+                <a:spAutoFit/>
+              </a:bodyPr>
+              <a:lstStyle/>
+              <a:p>
+                <a:r>
+                  <a:rPr lang="es-ES" sz="3200" b="1" dirty="0" smtClean="0">
+                    <a:solidFill>
+                      <a:schemeClr val="bg1"/>
+                    </a:solidFill>
+                  </a:rPr>
+                  <a:t>DayES</a:t>
+                </a:r>
+                <a:endParaRPr lang="es-ES" sz="3200" b="1" dirty="0">
+                  <a:solidFill>
+                    <a:schemeClr val="bg1"/>
+                  </a:solidFill>
+                </a:endParaRPr>
+              </a:p>
+            </p:txBody>
+          </p:sp>
+        </p:grpSp>
+        <p:sp>
+          <p:nvSpPr>
+            <p:cNvPr id="78" name="CuadroTexto 77"/>
+            <p:cNvSpPr txBox="1"/>
+            <p:nvPr/>
+          </p:nvSpPr>
+          <p:spPr>
+            <a:xfrm>
+              <a:off x="-1520498" y="4203305"/>
+              <a:ext cx="1264418" cy="338554"/>
+            </a:xfrm>
+            <a:prstGeom prst="rect">
+              <a:avLst/>
+            </a:prstGeom>
+            <a:noFill/>
+          </p:spPr>
+          <p:txBody>
+            <a:bodyPr wrap="square" rtlCol="0">
+              <a:spAutoFit/>
+            </a:bodyPr>
+            <a:lstStyle/>
+            <a:p>
+              <a:r>
+                <a:rPr lang="es-ES" sz="1600" dirty="0" smtClean="0">
+                  <a:solidFill>
+                    <a:schemeClr val="bg1"/>
+                  </a:solidFill>
+                </a:rPr>
+                <a:t>2016</a:t>
+              </a:r>
+              <a:endParaRPr lang="es-ES" sz="1600" dirty="0">
+                <a:solidFill>
+                  <a:schemeClr val="bg1"/>
+                </a:solidFill>
+              </a:endParaRPr>
+            </a:p>
+          </p:txBody>
+        </p:sp>
+      </p:grpSp>
+      <p:grpSp>
+        <p:nvGrpSpPr>
+          <p:cNvPr id="11" name="Agrupar 10"/>
           <p:cNvGrpSpPr/>
           <p:nvPr/>
         </p:nvGrpSpPr>
@@ -4602,21 +5731,21 @@
         </p:pic>
         <p:grpSp>
           <p:nvGrpSpPr>
-            <p:cNvPr id="6" name="Agrupar 5"/>
+            <p:cNvPr id="100" name="Agrupar 99"/>
             <p:cNvGrpSpPr/>
             <p:nvPr/>
           </p:nvGrpSpPr>
           <p:grpSpPr>
             <a:xfrm>
-              <a:off x="5679974" y="694078"/>
-              <a:ext cx="2079786" cy="864096"/>
+              <a:off x="5362702" y="735015"/>
+              <a:ext cx="2250102" cy="864096"/>
               <a:chOff x="6156176" y="1412776"/>
-              <a:chExt cx="2079786" cy="864096"/>
+              <a:chExt cx="2250102" cy="864096"/>
             </a:xfrm>
           </p:grpSpPr>
           <p:sp>
             <p:nvSpPr>
-              <p:cNvPr id="7" name="Rectángulo 6"/>
+              <p:cNvPr id="101" name="Rectángulo 100"/>
               <p:cNvSpPr/>
               <p:nvPr/>
             </p:nvSpPr>
@@ -4655,19 +5784,13 @@
               <a:lstStyle/>
               <a:p>
                 <a:pPr algn="ctr"/>
-                <a:endParaRPr lang="es-ES" dirty="0">
-                  <a:solidFill>
-                    <a:schemeClr val="tx2">
-                      <a:lumMod val="75000"/>
-                    </a:schemeClr>
-                  </a:solidFill>
-                </a:endParaRPr>
+                <a:endParaRPr lang="es-ES" dirty="0"/>
               </a:p>
             </p:txBody>
           </p:sp>
           <p:sp>
             <p:nvSpPr>
-              <p:cNvPr id="8" name="CuadroTexto 7"/>
+              <p:cNvPr id="102" name="CuadroTexto 101"/>
               <p:cNvSpPr txBox="1"/>
               <p:nvPr/>
             </p:nvSpPr>
@@ -4690,14 +5813,14 @@
                 <a:r>
                   <a:rPr lang="es-ES" sz="3600" b="1" dirty="0" smtClean="0">
                     <a:solidFill>
-                      <a:srgbClr val="FFFFFF"/>
+                      <a:schemeClr val="bg1"/>
                     </a:solidFill>
                   </a:rPr>
                   <a:t>JS</a:t>
                 </a:r>
                 <a:endParaRPr lang="es-ES" sz="3600" b="1" dirty="0">
                   <a:solidFill>
-                    <a:srgbClr val="FFFFFF"/>
+                    <a:schemeClr val="bg1"/>
                   </a:solidFill>
                 </a:endParaRPr>
               </a:p>
@@ -4705,14 +5828,14 @@
           </p:sp>
           <p:sp>
             <p:nvSpPr>
-              <p:cNvPr id="9" name="CuadroTexto 8"/>
+              <p:cNvPr id="103" name="CuadroTexto 102"/>
               <p:cNvSpPr txBox="1"/>
               <p:nvPr/>
             </p:nvSpPr>
             <p:spPr>
               <a:xfrm>
                 <a:off x="7040625" y="1630541"/>
-                <a:ext cx="1005403" cy="646331"/>
+                <a:ext cx="1365653" cy="646331"/>
               </a:xfrm>
               <a:prstGeom prst="rect">
                 <a:avLst/>
@@ -4728,14 +5851,14 @@
                 <a:r>
                   <a:rPr lang="es-ES" sz="3600" b="1" dirty="0" smtClean="0">
                     <a:solidFill>
-                      <a:srgbClr val="FFFFFF"/>
+                      <a:schemeClr val="bg1"/>
                     </a:solidFill>
                   </a:rPr>
-                  <a:t>DAY</a:t>
+                  <a:t>DayES</a:t>
                 </a:r>
                 <a:endParaRPr lang="es-ES" sz="3600" b="1" dirty="0">
                   <a:solidFill>
-                    <a:srgbClr val="FFFFFF"/>
+                    <a:schemeClr val="bg1"/>
                   </a:solidFill>
                 </a:endParaRPr>
               </a:p>
@@ -4743,7 +5866,7 @@
           </p:sp>
           <p:sp>
             <p:nvSpPr>
-              <p:cNvPr id="10" name="CuadroTexto 9"/>
+              <p:cNvPr id="104" name="CuadroTexto 103"/>
               <p:cNvSpPr txBox="1"/>
               <p:nvPr/>
             </p:nvSpPr>
@@ -4766,7 +5889,7 @@
                 <a:r>
                   <a:rPr lang="es-ES" sz="1000" dirty="0" smtClean="0">
                     <a:solidFill>
-                      <a:srgbClr val="FFFFFF"/>
+                      <a:schemeClr val="bg1"/>
                     </a:solidFill>
                   </a:rPr>
                   <a:t>29 y 30 ABRIL 2016</a:t>
@@ -4776,14 +5899,14 @@
                 <a:r>
                   <a:rPr lang="es-ES" sz="1000" dirty="0" smtClean="0">
                     <a:solidFill>
-                      <a:srgbClr val="FFFFFF"/>
+                      <a:schemeClr val="bg1"/>
                     </a:solidFill>
                   </a:rPr>
                   <a:t>MADRID</a:t>
                 </a:r>
                 <a:endParaRPr lang="es-ES" sz="1000" dirty="0">
                   <a:solidFill>
-                    <a:srgbClr val="FFFFFF"/>
+                    <a:schemeClr val="bg1"/>
                   </a:solidFill>
                 </a:endParaRPr>
               </a:p>
@@ -4793,313 +5916,15 @@
       </p:grpSp>
       <p:grpSp>
         <p:nvGrpSpPr>
-          <p:cNvPr id="22" name="Agrupar 21"/>
+          <p:cNvPr id="115" name="Agrupar 114"/>
           <p:cNvGrpSpPr/>
           <p:nvPr/>
         </p:nvGrpSpPr>
         <p:grpSpPr>
           <a:xfrm>
-            <a:off x="902929" y="3872979"/>
+            <a:off x="3438622" y="3872979"/>
             <a:ext cx="2146710" cy="2143433"/>
-            <a:chOff x="2630129" y="3896523"/>
-            <a:chExt cx="2146710" cy="2143433"/>
-          </a:xfrm>
-        </p:grpSpPr>
-        <p:grpSp>
-          <p:nvGrpSpPr>
-            <p:cNvPr id="19" name="Agrupar 18"/>
-            <p:cNvGrpSpPr/>
-            <p:nvPr/>
-          </p:nvGrpSpPr>
-          <p:grpSpPr>
-            <a:xfrm>
-              <a:off x="2630129" y="3896523"/>
-              <a:ext cx="2146710" cy="2143433"/>
-              <a:chOff x="2630129" y="3896523"/>
-              <a:chExt cx="2146710" cy="2143433"/>
-            </a:xfrm>
-          </p:grpSpPr>
-          <p:pic>
-            <p:nvPicPr>
-              <p:cNvPr id="13" name="Imagen 12" descr="img-1.jpg"/>
-              <p:cNvPicPr>
-                <a:picLocks noChangeAspect="1"/>
-              </p:cNvPicPr>
-              <p:nvPr/>
-            </p:nvPicPr>
-            <p:blipFill rotWithShape="1">
-              <a:blip r:embed="rId2">
-                <a:extLst>
-                  <a:ext uri="{28A0092B-C50C-407E-A947-70E740481C1C}">
-                    <a14:useLocalDpi xmlns:a14="http://schemas.microsoft.com/office/drawing/2010/main" val="0"/>
-                  </a:ext>
-                </a:extLst>
-              </a:blip>
-              <a:srcRect l="33848" t="26264" r="42674" b="38574"/>
-              <a:stretch/>
-            </p:blipFill>
-            <p:spPr>
-              <a:xfrm>
-                <a:off x="2630129" y="3896523"/>
-                <a:ext cx="2146710" cy="2143433"/>
-              </a:xfrm>
-              <a:prstGeom prst="rect">
-                <a:avLst/>
-              </a:prstGeom>
-            </p:spPr>
-          </p:pic>
-          <p:grpSp>
-            <p:nvGrpSpPr>
-              <p:cNvPr id="14" name="Agrupar 13"/>
-              <p:cNvGrpSpPr/>
-              <p:nvPr/>
-            </p:nvGrpSpPr>
-            <p:grpSpPr>
-              <a:xfrm>
-                <a:off x="2718826" y="4088437"/>
-                <a:ext cx="1868947" cy="864096"/>
-                <a:chOff x="6156176" y="1412776"/>
-                <a:chExt cx="1868947" cy="864096"/>
-              </a:xfrm>
-            </p:grpSpPr>
-            <p:sp>
-              <p:nvSpPr>
-                <p:cNvPr id="15" name="Rectángulo 14"/>
-                <p:cNvSpPr/>
-                <p:nvPr/>
-              </p:nvSpPr>
-              <p:spPr>
-                <a:xfrm>
-                  <a:off x="6156176" y="1412776"/>
-                  <a:ext cx="864096" cy="792088"/>
-                </a:xfrm>
-                <a:prstGeom prst="rect">
-                  <a:avLst/>
-                </a:prstGeom>
-                <a:solidFill>
-                  <a:srgbClr val="FBB623"/>
-                </a:solidFill>
-                <a:ln>
-                  <a:noFill/>
-                </a:ln>
-                <a:effectLst/>
-              </p:spPr>
-              <p:style>
-                <a:lnRef idx="1">
-                  <a:schemeClr val="accent1"/>
-                </a:lnRef>
-                <a:fillRef idx="3">
-                  <a:schemeClr val="accent1"/>
-                </a:fillRef>
-                <a:effectRef idx="2">
-                  <a:schemeClr val="accent1"/>
-                </a:effectRef>
-                <a:fontRef idx="minor">
-                  <a:schemeClr val="lt1"/>
-                </a:fontRef>
-              </p:style>
-              <p:txBody>
-                <a:bodyPr rtlCol="0" anchor="ctr"/>
-                <a:lstStyle/>
-                <a:p>
-                  <a:pPr algn="ctr"/>
-                  <a:endParaRPr lang="es-ES" dirty="0">
-                    <a:solidFill>
-                      <a:schemeClr val="tx2">
-                        <a:lumMod val="75000"/>
-                      </a:schemeClr>
-                    </a:solidFill>
-                  </a:endParaRPr>
-                </a:p>
-              </p:txBody>
-            </p:sp>
-            <p:sp>
-              <p:nvSpPr>
-                <p:cNvPr id="16" name="CuadroTexto 15"/>
-                <p:cNvSpPr txBox="1"/>
-                <p:nvPr/>
-              </p:nvSpPr>
-              <p:spPr>
-                <a:xfrm>
-                  <a:off x="6315157" y="1630541"/>
-                  <a:ext cx="555711" cy="646331"/>
-                </a:xfrm>
-                <a:prstGeom prst="rect">
-                  <a:avLst/>
-                </a:prstGeom>
-                <a:noFill/>
-              </p:spPr>
-              <p:txBody>
-                <a:bodyPr wrap="none" rtlCol="0">
-                  <a:spAutoFit/>
-                </a:bodyPr>
-                <a:lstStyle/>
-                <a:p>
-                  <a:r>
-                    <a:rPr lang="es-ES" sz="3600" b="1" dirty="0" smtClean="0">
-                      <a:solidFill>
-                        <a:srgbClr val="FFFFFF"/>
-                      </a:solidFill>
-                    </a:rPr>
-                    <a:t>JS</a:t>
-                  </a:r>
-                  <a:endParaRPr lang="es-ES" sz="3600" b="1" dirty="0">
-                    <a:solidFill>
-                      <a:srgbClr val="FFFFFF"/>
-                    </a:solidFill>
-                  </a:endParaRPr>
-                </a:p>
-              </p:txBody>
-            </p:sp>
-            <p:sp>
-              <p:nvSpPr>
-                <p:cNvPr id="17" name="CuadroTexto 16"/>
-                <p:cNvSpPr txBox="1"/>
-                <p:nvPr/>
-              </p:nvSpPr>
-              <p:spPr>
-                <a:xfrm>
-                  <a:off x="7019720" y="1630541"/>
-                  <a:ext cx="1005403" cy="646331"/>
-                </a:xfrm>
-                <a:prstGeom prst="rect">
-                  <a:avLst/>
-                </a:prstGeom>
-                <a:noFill/>
-              </p:spPr>
-              <p:txBody>
-                <a:bodyPr wrap="none" rtlCol="0">
-                  <a:spAutoFit/>
-                </a:bodyPr>
-                <a:lstStyle/>
-                <a:p>
-                  <a:r>
-                    <a:rPr lang="es-ES" sz="3600" b="1" dirty="0" smtClean="0">
-                      <a:solidFill>
-                        <a:srgbClr val="FFFFFF"/>
-                      </a:solidFill>
-                    </a:rPr>
-                    <a:t>DAY</a:t>
-                  </a:r>
-                  <a:endParaRPr lang="es-ES" sz="3600" b="1" dirty="0">
-                    <a:solidFill>
-                      <a:srgbClr val="FFFFFF"/>
-                    </a:solidFill>
-                  </a:endParaRPr>
-                </a:p>
-              </p:txBody>
-            </p:sp>
-          </p:grpSp>
-        </p:grpSp>
-        <p:sp>
-          <p:nvSpPr>
-            <p:cNvPr id="20" name="Rectángulo 19"/>
-            <p:cNvSpPr/>
-            <p:nvPr/>
-          </p:nvSpPr>
-          <p:spPr>
-            <a:xfrm>
-              <a:off x="2630129" y="5071663"/>
-              <a:ext cx="2146710" cy="968293"/>
-            </a:xfrm>
-            <a:prstGeom prst="rect">
-              <a:avLst/>
-            </a:prstGeom>
-            <a:solidFill>
-              <a:schemeClr val="tx1">
-                <a:alpha val="50000"/>
-              </a:schemeClr>
-            </a:solidFill>
-            <a:ln>
-              <a:noFill/>
-            </a:ln>
-            <a:effectLst/>
-          </p:spPr>
-          <p:style>
-            <a:lnRef idx="1">
-              <a:schemeClr val="accent1"/>
-            </a:lnRef>
-            <a:fillRef idx="3">
-              <a:schemeClr val="accent1"/>
-            </a:fillRef>
-            <a:effectRef idx="2">
-              <a:schemeClr val="accent1"/>
-            </a:effectRef>
-            <a:fontRef idx="minor">
-              <a:schemeClr val="lt1"/>
-            </a:fontRef>
-          </p:style>
-          <p:txBody>
-            <a:bodyPr rtlCol="0" anchor="ctr"/>
-            <a:lstStyle/>
-            <a:p>
-              <a:pPr algn="ctr"/>
-              <a:endParaRPr lang="es-ES"/>
-            </a:p>
-          </p:txBody>
-        </p:sp>
-        <p:sp>
-          <p:nvSpPr>
-            <p:cNvPr id="21" name="CuadroTexto 20"/>
-            <p:cNvSpPr txBox="1"/>
-            <p:nvPr/>
-          </p:nvSpPr>
-          <p:spPr>
-            <a:xfrm>
-              <a:off x="2794929" y="5178179"/>
-              <a:ext cx="1774745" cy="584776"/>
-            </a:xfrm>
-            <a:prstGeom prst="rect">
-              <a:avLst/>
-            </a:prstGeom>
-            <a:noFill/>
-          </p:spPr>
-          <p:txBody>
-            <a:bodyPr wrap="none" rtlCol="0">
-              <a:spAutoFit/>
-            </a:bodyPr>
-            <a:lstStyle/>
-            <a:p>
-              <a:pPr algn="ctr"/>
-              <a:r>
-                <a:rPr lang="es-ES" sz="1600" dirty="0" smtClean="0">
-                  <a:solidFill>
-                    <a:srgbClr val="FFFFFF"/>
-                  </a:solidFill>
-                </a:rPr>
-                <a:t>29 y 30 ABRIL 2016</a:t>
-              </a:r>
-            </a:p>
-            <a:p>
-              <a:pPr algn="ctr"/>
-              <a:r>
-                <a:rPr lang="es-ES" sz="1600" dirty="0" smtClean="0">
-                  <a:solidFill>
-                    <a:srgbClr val="FFFFFF"/>
-                  </a:solidFill>
-                </a:rPr>
-                <a:t>MADRID</a:t>
-              </a:r>
-              <a:endParaRPr lang="es-ES" sz="1600" dirty="0">
-                <a:solidFill>
-                  <a:srgbClr val="FFFFFF"/>
-                </a:solidFill>
-              </a:endParaRPr>
-            </a:p>
-          </p:txBody>
-        </p:sp>
-      </p:grpSp>
-      <p:grpSp>
-        <p:nvGrpSpPr>
-          <p:cNvPr id="18" name="Agrupar 17"/>
-          <p:cNvGrpSpPr/>
-          <p:nvPr/>
-        </p:nvGrpSpPr>
-        <p:grpSpPr>
-          <a:xfrm>
-            <a:off x="3594111" y="3872979"/>
-            <a:ext cx="2146710" cy="2143433"/>
-            <a:chOff x="2630129" y="3896523"/>
+            <a:chOff x="3438622" y="3872979"/>
             <a:chExt cx="2146710" cy="2143433"/>
           </a:xfrm>
         </p:grpSpPr>
@@ -5111,7 +5936,7 @@
           </p:nvSpPr>
           <p:spPr>
             <a:xfrm>
-              <a:off x="2630129" y="3896523"/>
+              <a:off x="3438622" y="3872979"/>
               <a:ext cx="2146710" cy="2143433"/>
             </a:xfrm>
             <a:prstGeom prst="rect">
@@ -5153,28 +5978,395 @@
         </p:sp>
         <p:grpSp>
           <p:nvGrpSpPr>
-            <p:cNvPr id="27" name="Agrupar 26"/>
+            <p:cNvPr id="31" name="Agrupar 30"/>
             <p:cNvGrpSpPr/>
             <p:nvPr/>
           </p:nvGrpSpPr>
           <p:grpSpPr>
             <a:xfrm>
-              <a:off x="2718826" y="4088437"/>
-              <a:ext cx="1868947" cy="864096"/>
-              <a:chOff x="6156176" y="1412776"/>
-              <a:chExt cx="1868947" cy="864096"/>
+              <a:off x="3511719" y="4064182"/>
+              <a:ext cx="1866448" cy="1678941"/>
+              <a:chOff x="3425323" y="4058095"/>
+              <a:chExt cx="1866448" cy="1678941"/>
             </a:xfrm>
           </p:grpSpPr>
           <p:sp>
             <p:nvSpPr>
-              <p:cNvPr id="28" name="Rectángulo 27"/>
+              <p:cNvPr id="108" name="CuadroTexto 107"/>
+              <p:cNvSpPr txBox="1"/>
+              <p:nvPr/>
+            </p:nvSpPr>
+            <p:spPr>
+              <a:xfrm>
+                <a:off x="3517026" y="5152260"/>
+                <a:ext cx="1774745" cy="584776"/>
+              </a:xfrm>
+              <a:prstGeom prst="rect">
+                <a:avLst/>
+              </a:prstGeom>
+              <a:noFill/>
+            </p:spPr>
+            <p:txBody>
+              <a:bodyPr wrap="none" rtlCol="0">
+                <a:spAutoFit/>
+              </a:bodyPr>
+              <a:lstStyle/>
+              <a:p>
+                <a:pPr algn="ctr"/>
+                <a:r>
+                  <a:rPr lang="es-ES" sz="1600" dirty="0" smtClean="0">
+                    <a:solidFill>
+                      <a:srgbClr val="FFFFFF"/>
+                    </a:solidFill>
+                  </a:rPr>
+                  <a:t>29 y 30 ABRIL 2016</a:t>
+                </a:r>
+              </a:p>
+              <a:p>
+                <a:pPr algn="ctr"/>
+                <a:r>
+                  <a:rPr lang="es-ES" sz="1600" dirty="0" smtClean="0">
+                    <a:solidFill>
+                      <a:srgbClr val="FFFFFF"/>
+                    </a:solidFill>
+                  </a:rPr>
+                  <a:t>MADRID</a:t>
+                </a:r>
+                <a:endParaRPr lang="es-ES" sz="1600" dirty="0">
+                  <a:solidFill>
+                    <a:srgbClr val="FFFFFF"/>
+                  </a:solidFill>
+                </a:endParaRPr>
+              </a:p>
+            </p:txBody>
+          </p:sp>
+          <p:grpSp>
+            <p:nvGrpSpPr>
+              <p:cNvPr id="109" name="Agrupar 108"/>
+              <p:cNvGrpSpPr/>
+              <p:nvPr/>
+            </p:nvGrpSpPr>
+            <p:grpSpPr>
+              <a:xfrm>
+                <a:off x="3425323" y="4058095"/>
+                <a:ext cx="1679192" cy="752432"/>
+                <a:chOff x="-2374014" y="4203305"/>
+                <a:chExt cx="2117934" cy="752432"/>
+              </a:xfrm>
+            </p:grpSpPr>
+            <p:grpSp>
+              <p:nvGrpSpPr>
+                <p:cNvPr id="110" name="Agrupar 109"/>
+                <p:cNvGrpSpPr/>
+                <p:nvPr/>
+              </p:nvGrpSpPr>
+              <p:grpSpPr>
+                <a:xfrm>
+                  <a:off x="-2374014" y="4218540"/>
+                  <a:ext cx="2057901" cy="737197"/>
+                  <a:chOff x="6139396" y="1512680"/>
+                  <a:chExt cx="2057901" cy="737197"/>
+                </a:xfrm>
+              </p:grpSpPr>
+              <p:sp>
+                <p:nvSpPr>
+                  <p:cNvPr id="112" name="Rectángulo 111"/>
+                  <p:cNvSpPr/>
+                  <p:nvPr/>
+                </p:nvSpPr>
+                <p:spPr>
+                  <a:xfrm>
+                    <a:off x="6156176" y="1512680"/>
+                    <a:ext cx="788919" cy="692183"/>
+                  </a:xfrm>
+                  <a:prstGeom prst="rect">
+                    <a:avLst/>
+                  </a:prstGeom>
+                  <a:solidFill>
+                    <a:srgbClr val="FBB623"/>
+                  </a:solidFill>
+                  <a:ln>
+                    <a:noFill/>
+                  </a:ln>
+                  <a:effectLst/>
+                </p:spPr>
+                <p:style>
+                  <a:lnRef idx="1">
+                    <a:schemeClr val="accent1"/>
+                  </a:lnRef>
+                  <a:fillRef idx="3">
+                    <a:schemeClr val="accent1"/>
+                  </a:fillRef>
+                  <a:effectRef idx="2">
+                    <a:schemeClr val="accent1"/>
+                  </a:effectRef>
+                  <a:fontRef idx="minor">
+                    <a:schemeClr val="lt1"/>
+                  </a:fontRef>
+                </p:style>
+                <p:txBody>
+                  <a:bodyPr rtlCol="0" anchor="ctr"/>
+                  <a:lstStyle/>
+                  <a:p>
+                    <a:pPr algn="ctr"/>
+                    <a:endParaRPr lang="es-ES" sz="1600" dirty="0"/>
+                  </a:p>
+                </p:txBody>
+              </p:sp>
+              <p:sp>
+                <p:nvSpPr>
+                  <p:cNvPr id="113" name="CuadroTexto 112"/>
+                  <p:cNvSpPr txBox="1"/>
+                  <p:nvPr/>
+                </p:nvSpPr>
+                <p:spPr>
+                  <a:xfrm>
+                    <a:off x="6139396" y="1665101"/>
+                    <a:ext cx="514485" cy="584776"/>
+                  </a:xfrm>
+                  <a:prstGeom prst="rect">
+                    <a:avLst/>
+                  </a:prstGeom>
+                  <a:noFill/>
+                </p:spPr>
+                <p:txBody>
+                  <a:bodyPr wrap="none" rtlCol="0">
+                    <a:spAutoFit/>
+                  </a:bodyPr>
+                  <a:lstStyle/>
+                  <a:p>
+                    <a:r>
+                      <a:rPr lang="es-ES" sz="3200" b="1" dirty="0" smtClean="0">
+                        <a:solidFill>
+                          <a:schemeClr val="bg1"/>
+                        </a:solidFill>
+                      </a:rPr>
+                      <a:t>JS</a:t>
+                    </a:r>
+                    <a:endParaRPr lang="es-ES" sz="3200" b="1" dirty="0">
+                      <a:solidFill>
+                        <a:schemeClr val="bg1"/>
+                      </a:solidFill>
+                    </a:endParaRPr>
+                  </a:p>
+                </p:txBody>
+              </p:sp>
+              <p:sp>
+                <p:nvSpPr>
+                  <p:cNvPr id="114" name="CuadroTexto 113"/>
+                  <p:cNvSpPr txBox="1"/>
+                  <p:nvPr/>
+                </p:nvSpPr>
+                <p:spPr>
+                  <a:xfrm>
+                    <a:off x="6962865" y="1665101"/>
+                    <a:ext cx="1234432" cy="584776"/>
+                  </a:xfrm>
+                  <a:prstGeom prst="rect">
+                    <a:avLst/>
+                  </a:prstGeom>
+                  <a:noFill/>
+                </p:spPr>
+                <p:txBody>
+                  <a:bodyPr wrap="none" rtlCol="0">
+                    <a:spAutoFit/>
+                  </a:bodyPr>
+                  <a:lstStyle/>
+                  <a:p>
+                    <a:r>
+                      <a:rPr lang="es-ES" sz="3200" b="1" dirty="0" smtClean="0">
+                        <a:solidFill>
+                          <a:schemeClr val="bg1"/>
+                        </a:solidFill>
+                      </a:rPr>
+                      <a:t>DayES</a:t>
+                    </a:r>
+                    <a:endParaRPr lang="es-ES" sz="3200" b="1" dirty="0">
+                      <a:solidFill>
+                        <a:schemeClr val="bg1"/>
+                      </a:solidFill>
+                    </a:endParaRPr>
+                  </a:p>
+                </p:txBody>
+              </p:sp>
+            </p:grpSp>
+            <p:sp>
+              <p:nvSpPr>
+                <p:cNvPr id="111" name="CuadroTexto 110"/>
+                <p:cNvSpPr txBox="1"/>
+                <p:nvPr/>
+              </p:nvSpPr>
+              <p:spPr>
+                <a:xfrm>
+                  <a:off x="-1520498" y="4203305"/>
+                  <a:ext cx="1264418" cy="338554"/>
+                </a:xfrm>
+                <a:prstGeom prst="rect">
+                  <a:avLst/>
+                </a:prstGeom>
+                <a:noFill/>
+              </p:spPr>
+              <p:txBody>
+                <a:bodyPr wrap="square" rtlCol="0">
+                  <a:spAutoFit/>
+                </a:bodyPr>
+                <a:lstStyle/>
+                <a:p>
+                  <a:r>
+                    <a:rPr lang="es-ES" sz="1600" dirty="0" smtClean="0">
+                      <a:solidFill>
+                        <a:schemeClr val="bg1"/>
+                      </a:solidFill>
+                    </a:rPr>
+                    <a:t>2016</a:t>
+                  </a:r>
+                  <a:endParaRPr lang="es-ES" sz="1600" dirty="0">
+                    <a:solidFill>
+                      <a:schemeClr val="bg1"/>
+                    </a:solidFill>
+                  </a:endParaRPr>
+                </a:p>
+              </p:txBody>
+            </p:sp>
+          </p:grpSp>
+        </p:grpSp>
+      </p:grpSp>
+      <p:sp>
+        <p:nvSpPr>
+          <p:cNvPr id="117" name="Rectángulo 116"/>
+          <p:cNvSpPr/>
+          <p:nvPr/>
+        </p:nvSpPr>
+        <p:spPr>
+          <a:xfrm>
+            <a:off x="5932369" y="3872979"/>
+            <a:ext cx="2146710" cy="2143433"/>
+          </a:xfrm>
+          <a:prstGeom prst="rect">
+            <a:avLst/>
+          </a:prstGeom>
+          <a:solidFill>
+            <a:schemeClr val="tx1">
+              <a:lumMod val="75000"/>
+              <a:lumOff val="25000"/>
+            </a:schemeClr>
+          </a:solidFill>
+          <a:ln>
+            <a:noFill/>
+          </a:ln>
+          <a:effectLst/>
+        </p:spPr>
+        <p:style>
+          <a:lnRef idx="1">
+            <a:schemeClr val="accent1"/>
+          </a:lnRef>
+          <a:fillRef idx="3">
+            <a:schemeClr val="accent1"/>
+          </a:fillRef>
+          <a:effectRef idx="2">
+            <a:schemeClr val="accent1"/>
+          </a:effectRef>
+          <a:fontRef idx="minor">
+            <a:schemeClr val="lt1"/>
+          </a:fontRef>
+        </p:style>
+        <p:txBody>
+          <a:bodyPr rtlCol="0" anchor="ctr"/>
+          <a:lstStyle/>
+          <a:p>
+            <a:pPr algn="ctr"/>
+            <a:endParaRPr lang="es-ES"/>
+          </a:p>
+        </p:txBody>
+      </p:sp>
+      <p:sp>
+        <p:nvSpPr>
+          <p:cNvPr id="119" name="CuadroTexto 118"/>
+          <p:cNvSpPr txBox="1"/>
+          <p:nvPr/>
+        </p:nvSpPr>
+        <p:spPr>
+          <a:xfrm>
+            <a:off x="6097169" y="5158347"/>
+            <a:ext cx="1774745" cy="584776"/>
+          </a:xfrm>
+          <a:prstGeom prst="rect">
+            <a:avLst/>
+          </a:prstGeom>
+          <a:noFill/>
+        </p:spPr>
+        <p:txBody>
+          <a:bodyPr wrap="none" rtlCol="0">
+            <a:spAutoFit/>
+          </a:bodyPr>
+          <a:lstStyle/>
+          <a:p>
+            <a:pPr algn="ctr"/>
+            <a:r>
+              <a:rPr lang="es-ES" sz="1600" dirty="0" smtClean="0">
+                <a:solidFill>
+                  <a:srgbClr val="FFFFFF"/>
+                </a:solidFill>
+              </a:rPr>
+              <a:t>29 y 30 ABRIL 2016</a:t>
+            </a:r>
+          </a:p>
+          <a:p>
+            <a:pPr algn="ctr"/>
+            <a:r>
+              <a:rPr lang="es-ES" sz="1600" dirty="0" smtClean="0">
+                <a:solidFill>
+                  <a:srgbClr val="FFFFFF"/>
+                </a:solidFill>
+              </a:rPr>
+              <a:t>MADRID</a:t>
+            </a:r>
+            <a:endParaRPr lang="es-ES" sz="1600" dirty="0">
+              <a:solidFill>
+                <a:srgbClr val="FFFFFF"/>
+              </a:solidFill>
+            </a:endParaRPr>
+          </a:p>
+        </p:txBody>
+      </p:sp>
+      <p:grpSp>
+        <p:nvGrpSpPr>
+          <p:cNvPr id="120" name="Agrupar 119"/>
+          <p:cNvGrpSpPr/>
+          <p:nvPr/>
+        </p:nvGrpSpPr>
+        <p:grpSpPr>
+          <a:xfrm>
+            <a:off x="6152344" y="4064182"/>
+            <a:ext cx="1712897" cy="751356"/>
+            <a:chOff x="-2319529" y="4203305"/>
+            <a:chExt cx="2160445" cy="751356"/>
+          </a:xfrm>
+        </p:grpSpPr>
+        <p:grpSp>
+          <p:nvGrpSpPr>
+            <p:cNvPr id="121" name="Agrupar 120"/>
+            <p:cNvGrpSpPr/>
+            <p:nvPr/>
+          </p:nvGrpSpPr>
+          <p:grpSpPr>
+            <a:xfrm>
+              <a:off x="-2319529" y="4431441"/>
+              <a:ext cx="2160445" cy="523220"/>
+              <a:chOff x="6193881" y="1725581"/>
+              <a:chExt cx="2160445" cy="523220"/>
+            </a:xfrm>
+          </p:grpSpPr>
+          <p:sp>
+            <p:nvSpPr>
+              <p:cNvPr id="123" name="Rectángulo 122"/>
               <p:cNvSpPr/>
               <p:nvPr/>
             </p:nvSpPr>
             <p:spPr>
               <a:xfrm>
-                <a:off x="6156176" y="1412776"/>
-                <a:ext cx="864096" cy="792088"/>
+                <a:off x="6193881" y="1744623"/>
+                <a:ext cx="751213" cy="460240"/>
               </a:xfrm>
               <a:prstGeom prst="rect">
                 <a:avLst/>
@@ -5206,26 +6398,20 @@
               <a:lstStyle/>
               <a:p>
                 <a:pPr algn="ctr"/>
-                <a:endParaRPr lang="es-ES" dirty="0">
-                  <a:solidFill>
-                    <a:schemeClr val="tx2">
-                      <a:lumMod val="75000"/>
-                    </a:schemeClr>
-                  </a:solidFill>
-                </a:endParaRPr>
+                <a:endParaRPr lang="es-ES" sz="1600" dirty="0"/>
               </a:p>
             </p:txBody>
           </p:sp>
           <p:sp>
             <p:nvSpPr>
-              <p:cNvPr id="29" name="CuadroTexto 28"/>
+              <p:cNvPr id="124" name="CuadroTexto 123"/>
               <p:cNvSpPr txBox="1"/>
               <p:nvPr/>
             </p:nvSpPr>
             <p:spPr>
               <a:xfrm>
-                <a:off x="6315157" y="1630541"/>
-                <a:ext cx="555711" cy="646331"/>
+                <a:off x="6193882" y="1725581"/>
+                <a:ext cx="596910" cy="523220"/>
               </a:xfrm>
               <a:prstGeom prst="rect">
                 <a:avLst/>
@@ -5239,16 +6425,16 @@
               <a:lstStyle/>
               <a:p>
                 <a:r>
-                  <a:rPr lang="es-ES" sz="3600" b="1" dirty="0" smtClean="0">
+                  <a:rPr lang="es-ES" sz="2800" b="1" dirty="0" smtClean="0">
                     <a:solidFill>
-                      <a:srgbClr val="FFFFFF"/>
+                      <a:schemeClr val="bg1"/>
                     </a:solidFill>
                   </a:rPr>
                   <a:t>JS</a:t>
                 </a:r>
-                <a:endParaRPr lang="es-ES" sz="3600" b="1" dirty="0">
+                <a:endParaRPr lang="es-ES" sz="2800" b="1" dirty="0">
                   <a:solidFill>
-                    <a:srgbClr val="FFFFFF"/>
+                    <a:schemeClr val="bg1"/>
                   </a:solidFill>
                 </a:endParaRPr>
               </a:p>
@@ -5256,14 +6442,14 @@
           </p:sp>
           <p:sp>
             <p:nvSpPr>
-              <p:cNvPr id="30" name="CuadroTexto 29"/>
+              <p:cNvPr id="125" name="CuadroTexto 124"/>
               <p:cNvSpPr txBox="1"/>
               <p:nvPr/>
             </p:nvSpPr>
             <p:spPr>
               <a:xfrm>
-                <a:off x="7019720" y="1630541"/>
-                <a:ext cx="1005403" cy="646331"/>
+                <a:off x="6962865" y="1725581"/>
+                <a:ext cx="1391461" cy="523220"/>
               </a:xfrm>
               <a:prstGeom prst="rect">
                 <a:avLst/>
@@ -5277,16 +6463,16 @@
               <a:lstStyle/>
               <a:p>
                 <a:r>
-                  <a:rPr lang="es-ES" sz="3600" b="1" dirty="0" smtClean="0">
+                  <a:rPr lang="es-ES" sz="2800" b="1" dirty="0" smtClean="0">
                     <a:solidFill>
-                      <a:srgbClr val="FFFFFF"/>
+                      <a:schemeClr val="bg1"/>
                     </a:solidFill>
                   </a:rPr>
-                  <a:t>DAY</a:t>
+                  <a:t>DayES</a:t>
                 </a:r>
-                <a:endParaRPr lang="es-ES" sz="3600" b="1" dirty="0">
+                <a:endParaRPr lang="es-ES" sz="2800" b="1" dirty="0">
                   <a:solidFill>
-                    <a:srgbClr val="FFFFFF"/>
+                    <a:schemeClr val="bg1"/>
                   </a:solidFill>
                 </a:endParaRPr>
               </a:p>
@@ -5295,14 +6481,14 @@
         </p:grpSp>
         <p:sp>
           <p:nvSpPr>
-            <p:cNvPr id="25" name="CuadroTexto 24"/>
+            <p:cNvPr id="122" name="CuadroTexto 121"/>
             <p:cNvSpPr txBox="1"/>
             <p:nvPr/>
           </p:nvSpPr>
           <p:spPr>
             <a:xfrm>
-              <a:off x="2794929" y="5178179"/>
-              <a:ext cx="1774745" cy="584776"/>
+              <a:off x="-1520498" y="4203305"/>
+              <a:ext cx="1264418" cy="338554"/>
             </a:xfrm>
             <a:prstGeom prst="rect">
               <a:avLst/>
@@ -5310,289 +6496,22 @@
             <a:noFill/>
           </p:spPr>
           <p:txBody>
-            <a:bodyPr wrap="none" rtlCol="0">
+            <a:bodyPr wrap="square" rtlCol="0">
               <a:spAutoFit/>
             </a:bodyPr>
             <a:lstStyle/>
             <a:p>
-              <a:pPr algn="ctr"/>
               <a:r>
                 <a:rPr lang="es-ES" sz="1600" dirty="0" smtClean="0">
                   <a:solidFill>
-                    <a:srgbClr val="FFFFFF"/>
+                    <a:schemeClr val="bg1"/>
                   </a:solidFill>
                 </a:rPr>
-                <a:t>29 y 30 ABRIL 2016</a:t>
-              </a:r>
-            </a:p>
-            <a:p>
-              <a:pPr algn="ctr"/>
-              <a:r>
-                <a:rPr lang="es-ES" sz="1600" dirty="0" smtClean="0">
-                  <a:solidFill>
-                    <a:srgbClr val="FFFFFF"/>
-                  </a:solidFill>
-                </a:rPr>
-                <a:t>MADRID</a:t>
+                <a:t>2016</a:t>
               </a:r>
               <a:endParaRPr lang="es-ES" sz="1600" dirty="0">
                 <a:solidFill>
-                  <a:srgbClr val="FFFFFF"/>
-                </a:solidFill>
-              </a:endParaRPr>
-            </a:p>
-          </p:txBody>
-        </p:sp>
-      </p:grpSp>
-      <p:grpSp>
-        <p:nvGrpSpPr>
-          <p:cNvPr id="38" name="Agrupar 37"/>
-          <p:cNvGrpSpPr/>
-          <p:nvPr/>
-        </p:nvGrpSpPr>
-        <p:grpSpPr>
-          <a:xfrm>
-            <a:off x="5893221" y="3876691"/>
-            <a:ext cx="2146710" cy="2143433"/>
-            <a:chOff x="2630129" y="3896523"/>
-            <a:chExt cx="2146710" cy="2143433"/>
-          </a:xfrm>
-        </p:grpSpPr>
-        <p:sp>
-          <p:nvSpPr>
-            <p:cNvPr id="39" name="Rectángulo 38"/>
-            <p:cNvSpPr/>
-            <p:nvPr/>
-          </p:nvSpPr>
-          <p:spPr>
-            <a:xfrm>
-              <a:off x="2630129" y="3896523"/>
-              <a:ext cx="2146710" cy="2143433"/>
-            </a:xfrm>
-            <a:prstGeom prst="rect">
-              <a:avLst/>
-            </a:prstGeom>
-            <a:solidFill>
-              <a:schemeClr val="tx1">
-                <a:lumMod val="75000"/>
-                <a:lumOff val="25000"/>
-              </a:schemeClr>
-            </a:solidFill>
-            <a:ln>
-              <a:noFill/>
-            </a:ln>
-            <a:effectLst/>
-          </p:spPr>
-          <p:style>
-            <a:lnRef idx="1">
-              <a:schemeClr val="accent1"/>
-            </a:lnRef>
-            <a:fillRef idx="3">
-              <a:schemeClr val="accent1"/>
-            </a:fillRef>
-            <a:effectRef idx="2">
-              <a:schemeClr val="accent1"/>
-            </a:effectRef>
-            <a:fontRef idx="minor">
-              <a:schemeClr val="lt1"/>
-            </a:fontRef>
-          </p:style>
-          <p:txBody>
-            <a:bodyPr rtlCol="0" anchor="ctr"/>
-            <a:lstStyle/>
-            <a:p>
-              <a:pPr algn="ctr"/>
-              <a:endParaRPr lang="es-ES"/>
-            </a:p>
-          </p:txBody>
-        </p:sp>
-        <p:grpSp>
-          <p:nvGrpSpPr>
-            <p:cNvPr id="40" name="Agrupar 39"/>
-            <p:cNvGrpSpPr/>
-            <p:nvPr/>
-          </p:nvGrpSpPr>
-          <p:grpSpPr>
-            <a:xfrm>
-              <a:off x="2877806" y="4306202"/>
-              <a:ext cx="1709967" cy="646331"/>
-              <a:chOff x="6315156" y="1630541"/>
-              <a:chExt cx="1709967" cy="646331"/>
-            </a:xfrm>
-          </p:grpSpPr>
-          <p:sp>
-            <p:nvSpPr>
-              <p:cNvPr id="42" name="Rectángulo 41"/>
-              <p:cNvSpPr/>
-              <p:nvPr/>
-            </p:nvSpPr>
-            <p:spPr>
-              <a:xfrm>
-                <a:off x="6315156" y="1712971"/>
-                <a:ext cx="705115" cy="491892"/>
-              </a:xfrm>
-              <a:prstGeom prst="rect">
-                <a:avLst/>
-              </a:prstGeom>
-              <a:solidFill>
-                <a:srgbClr val="FBB623"/>
-              </a:solidFill>
-              <a:ln>
-                <a:noFill/>
-              </a:ln>
-              <a:effectLst/>
-            </p:spPr>
-            <p:style>
-              <a:lnRef idx="1">
-                <a:schemeClr val="accent1"/>
-              </a:lnRef>
-              <a:fillRef idx="3">
-                <a:schemeClr val="accent1"/>
-              </a:fillRef>
-              <a:effectRef idx="2">
-                <a:schemeClr val="accent1"/>
-              </a:effectRef>
-              <a:fontRef idx="minor">
-                <a:schemeClr val="lt1"/>
-              </a:fontRef>
-            </p:style>
-            <p:txBody>
-              <a:bodyPr rtlCol="0" anchor="ctr"/>
-              <a:lstStyle/>
-              <a:p>
-                <a:pPr algn="ctr"/>
-                <a:endParaRPr lang="es-ES" dirty="0">
-                  <a:solidFill>
-                    <a:schemeClr val="tx2">
-                      <a:lumMod val="75000"/>
-                    </a:schemeClr>
-                  </a:solidFill>
-                </a:endParaRPr>
-              </a:p>
-            </p:txBody>
-          </p:sp>
-          <p:sp>
-            <p:nvSpPr>
-              <p:cNvPr id="43" name="CuadroTexto 42"/>
-              <p:cNvSpPr txBox="1"/>
-              <p:nvPr/>
-            </p:nvSpPr>
-            <p:spPr>
-              <a:xfrm>
-                <a:off x="6315157" y="1630541"/>
-                <a:ext cx="555711" cy="646331"/>
-              </a:xfrm>
-              <a:prstGeom prst="rect">
-                <a:avLst/>
-              </a:prstGeom>
-              <a:noFill/>
-            </p:spPr>
-            <p:txBody>
-              <a:bodyPr wrap="none" rtlCol="0">
-                <a:spAutoFit/>
-              </a:bodyPr>
-              <a:lstStyle/>
-              <a:p>
-                <a:r>
-                  <a:rPr lang="es-ES" sz="3600" b="1" dirty="0" smtClean="0">
-                    <a:solidFill>
-                      <a:srgbClr val="FFFFFF"/>
-                    </a:solidFill>
-                  </a:rPr>
-                  <a:t>JS</a:t>
-                </a:r>
-                <a:endParaRPr lang="es-ES" sz="3600" b="1" dirty="0">
-                  <a:solidFill>
-                    <a:srgbClr val="FFFFFF"/>
-                  </a:solidFill>
-                </a:endParaRPr>
-              </a:p>
-            </p:txBody>
-          </p:sp>
-          <p:sp>
-            <p:nvSpPr>
-              <p:cNvPr id="44" name="CuadroTexto 43"/>
-              <p:cNvSpPr txBox="1"/>
-              <p:nvPr/>
-            </p:nvSpPr>
-            <p:spPr>
-              <a:xfrm>
-                <a:off x="7019720" y="1630541"/>
-                <a:ext cx="1005403" cy="646331"/>
-              </a:xfrm>
-              <a:prstGeom prst="rect">
-                <a:avLst/>
-              </a:prstGeom>
-              <a:noFill/>
-            </p:spPr>
-            <p:txBody>
-              <a:bodyPr wrap="none" rtlCol="0">
-                <a:spAutoFit/>
-              </a:bodyPr>
-              <a:lstStyle/>
-              <a:p>
-                <a:r>
-                  <a:rPr lang="es-ES" sz="3600" b="1" dirty="0" smtClean="0">
-                    <a:solidFill>
-                      <a:srgbClr val="FFFFFF"/>
-                    </a:solidFill>
-                  </a:rPr>
-                  <a:t>DAY</a:t>
-                </a:r>
-                <a:endParaRPr lang="es-ES" sz="3600" b="1" dirty="0">
-                  <a:solidFill>
-                    <a:srgbClr val="FFFFFF"/>
-                  </a:solidFill>
-                </a:endParaRPr>
-              </a:p>
-            </p:txBody>
-          </p:sp>
-        </p:grpSp>
-        <p:sp>
-          <p:nvSpPr>
-            <p:cNvPr id="41" name="CuadroTexto 40"/>
-            <p:cNvSpPr txBox="1"/>
-            <p:nvPr/>
-          </p:nvSpPr>
-          <p:spPr>
-            <a:xfrm>
-              <a:off x="2794929" y="5178179"/>
-              <a:ext cx="1774745" cy="584776"/>
-            </a:xfrm>
-            <a:prstGeom prst="rect">
-              <a:avLst/>
-            </a:prstGeom>
-            <a:noFill/>
-          </p:spPr>
-          <p:txBody>
-            <a:bodyPr wrap="none" rtlCol="0">
-              <a:spAutoFit/>
-            </a:bodyPr>
-            <a:lstStyle/>
-            <a:p>
-              <a:pPr algn="ctr"/>
-              <a:r>
-                <a:rPr lang="es-ES" sz="1600" dirty="0" smtClean="0">
-                  <a:solidFill>
-                    <a:srgbClr val="FFFFFF"/>
-                  </a:solidFill>
-                </a:rPr>
-                <a:t>29 y 30 ABRIL 2016</a:t>
-              </a:r>
-            </a:p>
-            <a:p>
-              <a:pPr algn="ctr"/>
-              <a:r>
-                <a:rPr lang="es-ES" sz="1600" dirty="0" smtClean="0">
-                  <a:solidFill>
-                    <a:srgbClr val="FFFFFF"/>
-                  </a:solidFill>
-                </a:rPr>
-                <a:t>MADRID</a:t>
-              </a:r>
-              <a:endParaRPr lang="es-ES" sz="1600" dirty="0">
-                <a:solidFill>
-                  <a:srgbClr val="FFFFFF"/>
+                  <a:schemeClr val="bg1"/>
                 </a:solidFill>
               </a:endParaRPr>
             </a:p>
@@ -5727,10 +6646,10 @@
           </p:nvGrpSpPr>
           <p:grpSpPr>
             <a:xfrm>
-              <a:off x="1942235" y="1887110"/>
-              <a:ext cx="3003952" cy="1363980"/>
+              <a:off x="1942238" y="1887110"/>
+              <a:ext cx="3621232" cy="1363980"/>
               <a:chOff x="2776359" y="4088437"/>
-              <a:chExt cx="1718409" cy="852748"/>
+              <a:chExt cx="2071523" cy="852748"/>
             </a:xfrm>
           </p:grpSpPr>
           <p:sp>
@@ -5831,7 +6750,7 @@
             <p:spPr>
               <a:xfrm>
                 <a:off x="3616273" y="4306202"/>
-                <a:ext cx="878495" cy="634983"/>
+                <a:ext cx="1231609" cy="634983"/>
               </a:xfrm>
               <a:prstGeom prst="rect">
                 <a:avLst/>
@@ -5850,7 +6769,7 @@
                       <a:srgbClr val="FFFFFF"/>
                     </a:solidFill>
                   </a:rPr>
-                  <a:t>DAY</a:t>
+                  <a:t>DayES</a:t>
                 </a:r>
                 <a:endParaRPr lang="es-ES" sz="6000" b="1" dirty="0">
                   <a:solidFill>
